--- a/Rapport PFE/Presentation_final.pptx
+++ b/Rapport PFE/Presentation_final.pptx
@@ -5,10 +5,10 @@
     <p:sldMasterId id="2147483648" r:id="rId1"/>
   </p:sldMasterIdLst>
   <p:notesMasterIdLst>
-    <p:notesMasterId r:id="rId29"/>
+    <p:notesMasterId r:id="rId30"/>
   </p:notesMasterIdLst>
   <p:handoutMasterIdLst>
-    <p:handoutMasterId r:id="rId30"/>
+    <p:handoutMasterId r:id="rId31"/>
   </p:handoutMasterIdLst>
   <p:sldIdLst>
     <p:sldId id="264" r:id="rId2"/>
@@ -18,26 +18,27 @@
     <p:sldId id="258" r:id="rId6"/>
     <p:sldId id="281" r:id="rId7"/>
     <p:sldId id="259" r:id="rId8"/>
-    <p:sldId id="267" r:id="rId9"/>
-    <p:sldId id="261" r:id="rId10"/>
-    <p:sldId id="282" r:id="rId11"/>
-    <p:sldId id="283" r:id="rId12"/>
-    <p:sldId id="284" r:id="rId13"/>
-    <p:sldId id="285" r:id="rId14"/>
-    <p:sldId id="286" r:id="rId15"/>
-    <p:sldId id="287" r:id="rId16"/>
-    <p:sldId id="288" r:id="rId17"/>
-    <p:sldId id="289" r:id="rId18"/>
-    <p:sldId id="290" r:id="rId19"/>
-    <p:sldId id="291" r:id="rId20"/>
-    <p:sldId id="292" r:id="rId21"/>
-    <p:sldId id="262" r:id="rId22"/>
-    <p:sldId id="268" r:id="rId23"/>
-    <p:sldId id="269" r:id="rId24"/>
-    <p:sldId id="270" r:id="rId25"/>
-    <p:sldId id="271" r:id="rId26"/>
-    <p:sldId id="275" r:id="rId27"/>
-    <p:sldId id="278" r:id="rId28"/>
+    <p:sldId id="293" r:id="rId9"/>
+    <p:sldId id="267" r:id="rId10"/>
+    <p:sldId id="261" r:id="rId11"/>
+    <p:sldId id="282" r:id="rId12"/>
+    <p:sldId id="283" r:id="rId13"/>
+    <p:sldId id="284" r:id="rId14"/>
+    <p:sldId id="285" r:id="rId15"/>
+    <p:sldId id="286" r:id="rId16"/>
+    <p:sldId id="287" r:id="rId17"/>
+    <p:sldId id="288" r:id="rId18"/>
+    <p:sldId id="289" r:id="rId19"/>
+    <p:sldId id="290" r:id="rId20"/>
+    <p:sldId id="291" r:id="rId21"/>
+    <p:sldId id="292" r:id="rId22"/>
+    <p:sldId id="262" r:id="rId23"/>
+    <p:sldId id="268" r:id="rId24"/>
+    <p:sldId id="269" r:id="rId25"/>
+    <p:sldId id="270" r:id="rId26"/>
+    <p:sldId id="271" r:id="rId27"/>
+    <p:sldId id="275" r:id="rId28"/>
+    <p:sldId id="278" r:id="rId29"/>
   </p:sldIdLst>
   <p:sldSz cx="14630400" cy="8229600"/>
   <p:notesSz cx="8229600" cy="14630400"/>
@@ -2129,7 +2130,7 @@
 
 <file path=ppt/slides/slide10.xml><?xml version="1.0" encoding="utf-8"?>
 <p:sld xmlns:a="http://schemas.openxmlformats.org/drawingml/2006/main" xmlns:r="http://schemas.openxmlformats.org/officeDocument/2006/relationships" xmlns:p="http://schemas.openxmlformats.org/presentationml/2006/main">
-  <p:cSld>
+  <p:cSld name="Slide 6">
     <p:spTree>
       <p:nvGrpSpPr>
         <p:cNvPr id="1" name=""/>
@@ -2216,17 +2217,17 @@
                 <a:cs typeface="+mj-cs"/>
                 <a:sym typeface="Montserrat"/>
               </a:rPr>
-              <a:t>Diagramme de cas d’utilisation «  Candidat »</a:t>
+              <a:t>Diagramme de cas d’utilisation « Admin »</a:t>
             </a:r>
           </a:p>
         </p:txBody>
       </p:sp>
       <p:pic>
         <p:nvPicPr>
-          <p:cNvPr id="5" name="Picture 6">
-            <a:extLst>
-              <a:ext uri="{FF2B5EF4-FFF2-40B4-BE49-F238E27FC236}">
-                <a16:creationId xmlns:a16="http://schemas.microsoft.com/office/drawing/2014/main" id="{18EDCFD8-A48E-D6CB-91B7-CDC2F8AEE0F6}"/>
+          <p:cNvPr id="4" name="Picture 3">
+            <a:extLst>
+              <a:ext uri="{FF2B5EF4-FFF2-40B4-BE49-F238E27FC236}">
+                <a16:creationId xmlns:a16="http://schemas.microsoft.com/office/drawing/2014/main" id="{88BED210-C5E0-7A96-C8DA-23D7EE60A725}"/>
               </a:ext>
             </a:extLst>
           </p:cNvPr>
@@ -2237,14 +2238,13 @@
         </p:nvPicPr>
         <p:blipFill>
           <a:blip r:embed="rId3"/>
-          <a:stretch>
-            <a:fillRect/>
-          </a:stretch>
+          <a:srcRect/>
+          <a:stretch/>
         </p:blipFill>
         <p:spPr>
           <a:xfrm>
-            <a:off x="2365760" y="643677"/>
-            <a:ext cx="9898879" cy="7196295"/>
+            <a:off x="4108068" y="740344"/>
+            <a:ext cx="7304347" cy="7347364"/>
           </a:xfrm>
           <a:prstGeom prst="rect">
             <a:avLst/>
@@ -2252,11 +2252,6 @@
         </p:spPr>
       </p:pic>
     </p:spTree>
-    <p:extLst>
-      <p:ext uri="{BB962C8B-B14F-4D97-AF65-F5344CB8AC3E}">
-        <p14:creationId xmlns:p14="http://schemas.microsoft.com/office/powerpoint/2010/main" val="1186113710"/>
-      </p:ext>
-    </p:extLst>
   </p:cSld>
   <p:clrMapOvr>
     <a:masterClrMapping/>
@@ -2365,14 +2360,14 @@
                 <a:cs typeface="+mj-cs"/>
                 <a:sym typeface="Montserrat"/>
               </a:rPr>
-              <a:t>Diagramme de cas d’utilisation « Entreprise »</a:t>
+              <a:t>Diagramme de cas d’utilisation «  Candidat »</a:t>
             </a:r>
           </a:p>
         </p:txBody>
       </p:sp>
       <p:pic>
         <p:nvPicPr>
-          <p:cNvPr id="4" name="Picture 6">
+          <p:cNvPr id="5" name="Picture 6">
             <a:extLst>
               <a:ext uri="{FF2B5EF4-FFF2-40B4-BE49-F238E27FC236}">
                 <a16:creationId xmlns:a16="http://schemas.microsoft.com/office/drawing/2014/main" id="{18EDCFD8-A48E-D6CB-91B7-CDC2F8AEE0F6}"/>
@@ -2386,14 +2381,13 @@
         </p:nvPicPr>
         <p:blipFill>
           <a:blip r:embed="rId3"/>
-          <a:stretch>
-            <a:fillRect/>
-          </a:stretch>
+          <a:srcRect/>
+          <a:stretch/>
         </p:blipFill>
         <p:spPr>
           <a:xfrm>
-            <a:off x="2527137" y="851293"/>
-            <a:ext cx="9659001" cy="7021908"/>
+            <a:off x="2242836" y="777804"/>
+            <a:ext cx="10387167" cy="7269784"/>
           </a:xfrm>
           <a:prstGeom prst="rect">
             <a:avLst/>
@@ -2403,7 +2397,7 @@
     </p:spTree>
     <p:extLst>
       <p:ext uri="{BB962C8B-B14F-4D97-AF65-F5344CB8AC3E}">
-        <p14:creationId xmlns:p14="http://schemas.microsoft.com/office/powerpoint/2010/main" val="2350048437"/>
+        <p14:creationId xmlns:p14="http://schemas.microsoft.com/office/powerpoint/2010/main" val="1186113710"/>
       </p:ext>
     </p:extLst>
   </p:cSld>
@@ -2447,7 +2441,7 @@
           <p:cNvPr id="2" name="Espace réservé du numéro de diapositive 1">
             <a:extLst>
               <a:ext uri="{FF2B5EF4-FFF2-40B4-BE49-F238E27FC236}">
-                <a16:creationId xmlns:a16="http://schemas.microsoft.com/office/drawing/2014/main" id="{AE8E941D-50B6-A6CD-5718-B3781A6BEB70}"/>
+                <a16:creationId xmlns:a16="http://schemas.microsoft.com/office/drawing/2014/main" id="{694F699B-D147-3085-EF97-4106745550C3}"/>
               </a:ext>
             </a:extLst>
           </p:cNvPr>
@@ -2477,10 +2471,10 @@
       </p:sp>
       <p:sp>
         <p:nvSpPr>
-          <p:cNvPr id="4" name="ZoneTexte 3">
-            <a:extLst>
-              <a:ext uri="{FF2B5EF4-FFF2-40B4-BE49-F238E27FC236}">
-                <a16:creationId xmlns:a16="http://schemas.microsoft.com/office/drawing/2014/main" id="{F48D7ABA-3B51-B960-4D03-BC4C2655B2C4}"/>
+          <p:cNvPr id="3" name="ZoneTexte 2">
+            <a:extLst>
+              <a:ext uri="{FF2B5EF4-FFF2-40B4-BE49-F238E27FC236}">
+                <a16:creationId xmlns:a16="http://schemas.microsoft.com/office/drawing/2014/main" id="{8E3D8607-D475-4528-05E3-72490D89D549}"/>
               </a:ext>
             </a:extLst>
           </p:cNvPr>
@@ -2489,8 +2483,8 @@
         </p:nvSpPr>
         <p:spPr>
           <a:xfrm>
-            <a:off x="3376246" y="118882"/>
-            <a:ext cx="7877908" cy="370614"/>
+            <a:off x="3569676" y="182012"/>
+            <a:ext cx="7174523" cy="461665"/>
           </a:xfrm>
           <a:prstGeom prst="rect">
             <a:avLst/>
@@ -2503,48 +2497,28 @@
           </a:bodyPr>
           <a:lstStyle/>
           <a:p>
-            <a:pPr marL="0" indent="0" algn="l">
-              <a:lnSpc>
-                <a:spcPts val="2278"/>
-              </a:lnSpc>
-              <a:buNone/>
-            </a:pPr>
-            <a:r>
-              <a:rPr lang="fr-FR" b="1" dirty="0">
-                <a:latin typeface="Montserrat" panose="00000500000000000000" pitchFamily="2" charset="0"/>
-              </a:rPr>
-              <a:t>B</a:t>
-            </a:r>
-            <a:r>
-              <a:rPr lang="fr-FR" sz="1800" b="1" dirty="0">
-                <a:latin typeface="Montserrat" panose="00000500000000000000" pitchFamily="2" charset="0"/>
-              </a:rPr>
-              <a:t>. Diagramme de </a:t>
-            </a:r>
-            <a:r>
-              <a:rPr lang="fr-FR" b="1" dirty="0">
-                <a:latin typeface="Montserrat" panose="00000500000000000000" pitchFamily="2" charset="0"/>
-              </a:rPr>
-              <a:t>c</a:t>
-            </a:r>
-            <a:r>
-              <a:rPr lang="fr-FR" sz="1800" b="1" dirty="0">
-                <a:latin typeface="Montserrat" panose="00000500000000000000" pitchFamily="2" charset="0"/>
-              </a:rPr>
-              <a:t>lasse</a:t>
-            </a:r>
-            <a:endParaRPr lang="en-US" b="1" dirty="0">
-              <a:latin typeface="Montserrat" panose="00000500000000000000" pitchFamily="2" charset="0"/>
-            </a:endParaRPr>
+            <a:pPr algn="ctr"/>
+            <a:r>
+              <a:rPr lang="fr-FR" sz="2400" b="1" dirty="0">
+                <a:solidFill>
+                  <a:schemeClr val="tx1"/>
+                </a:solidFill>
+                <a:latin typeface="+mj-lt"/>
+                <a:ea typeface="+mj-ea"/>
+                <a:cs typeface="+mj-cs"/>
+                <a:sym typeface="Montserrat"/>
+              </a:rPr>
+              <a:t>Diagramme de cas d’utilisation « Entreprise »</a:t>
+            </a:r>
           </a:p>
         </p:txBody>
       </p:sp>
       <p:pic>
         <p:nvPicPr>
-          <p:cNvPr id="3" name="Picture 3">
-            <a:extLst>
-              <a:ext uri="{FF2B5EF4-FFF2-40B4-BE49-F238E27FC236}">
-                <a16:creationId xmlns:a16="http://schemas.microsoft.com/office/drawing/2014/main" id="{B3B469A3-0FAC-02E4-FC41-953EF83BB2AB}"/>
+          <p:cNvPr id="4" name="Picture 6">
+            <a:extLst>
+              <a:ext uri="{FF2B5EF4-FFF2-40B4-BE49-F238E27FC236}">
+                <a16:creationId xmlns:a16="http://schemas.microsoft.com/office/drawing/2014/main" id="{18EDCFD8-A48E-D6CB-91B7-CDC2F8AEE0F6}"/>
               </a:ext>
             </a:extLst>
           </p:cNvPr>
@@ -2554,21 +2528,14 @@
           <p:nvPr/>
         </p:nvPicPr>
         <p:blipFill>
-          <a:blip r:embed="rId2">
-            <a:extLst>
-              <a:ext uri="{28A0092B-C50C-407E-A947-70E740481C1C}">
-                <a14:useLocalDpi xmlns:a14="http://schemas.microsoft.com/office/drawing/2010/main" val="0"/>
-              </a:ext>
-            </a:extLst>
-          </a:blip>
-          <a:stretch>
-            <a:fillRect/>
-          </a:stretch>
+          <a:blip r:embed="rId3"/>
+          <a:srcRect/>
+          <a:stretch/>
         </p:blipFill>
         <p:spPr>
           <a:xfrm>
-            <a:off x="-1" y="402703"/>
-            <a:ext cx="14630401" cy="7826897"/>
+            <a:off x="3225835" y="933130"/>
+            <a:ext cx="8178730" cy="7132958"/>
           </a:xfrm>
           <a:prstGeom prst="rect">
             <a:avLst/>
@@ -2578,7 +2545,7 @@
     </p:spTree>
     <p:extLst>
       <p:ext uri="{BB962C8B-B14F-4D97-AF65-F5344CB8AC3E}">
-        <p14:creationId xmlns:p14="http://schemas.microsoft.com/office/powerpoint/2010/main" val="3597829252"/>
+        <p14:creationId xmlns:p14="http://schemas.microsoft.com/office/powerpoint/2010/main" val="2350048437"/>
       </p:ext>
     </p:extLst>
   </p:cSld>
@@ -2664,8 +2631,8 @@
         </p:nvSpPr>
         <p:spPr>
           <a:xfrm>
-            <a:off x="3376246" y="194543"/>
-            <a:ext cx="7877908" cy="665567"/>
+            <a:off x="3376246" y="118882"/>
+            <a:ext cx="7877908" cy="370614"/>
           </a:xfrm>
           <a:prstGeom prst="rect">
             <a:avLst/>
@@ -2694,41 +2661,19 @@
               <a:rPr lang="fr-FR" sz="1800" b="1" dirty="0">
                 <a:latin typeface="Montserrat" panose="00000500000000000000" pitchFamily="2" charset="0"/>
               </a:rPr>
-              <a:t>. </a:t>
+              <a:t>. Diagramme de </a:t>
             </a:r>
             <a:r>
               <a:rPr lang="fr-FR" b="1" dirty="0">
                 <a:latin typeface="Montserrat" panose="00000500000000000000" pitchFamily="2" charset="0"/>
               </a:rPr>
-              <a:t>Diagramme </a:t>
-            </a:r>
-            <a:r>
-              <a:rPr lang="fr-FR" b="1" dirty="0">
-                <a:latin typeface="Montserrat" panose="00000500000000000000" pitchFamily="2" charset="0"/>
-                <a:sym typeface="Arial"/>
-              </a:rPr>
-              <a:t>d’activité : </a:t>
-            </a:r>
-          </a:p>
-          <a:p>
-            <a:pPr marL="0" indent="0" algn="l">
-              <a:lnSpc>
-                <a:spcPts val="2278"/>
-              </a:lnSpc>
-              <a:buNone/>
-            </a:pPr>
-            <a:r>
-              <a:rPr lang="fr-FR" b="1" dirty="0">
-                <a:latin typeface="Montserrat" panose="00000500000000000000" pitchFamily="2" charset="0"/>
-                <a:sym typeface="Arial"/>
-              </a:rPr>
-              <a:t>	- </a:t>
-            </a:r>
-            <a:r>
-              <a:rPr lang="fr-FR" b="1" dirty="0">
-                <a:latin typeface="Montserrat" panose="00000500000000000000" pitchFamily="2" charset="0"/>
-              </a:rPr>
-              <a:t>Création d'un Compte Entreprise</a:t>
+              <a:t>c</a:t>
+            </a:r>
+            <a:r>
+              <a:rPr lang="fr-FR" sz="1800" b="1" dirty="0">
+                <a:latin typeface="Montserrat" panose="00000500000000000000" pitchFamily="2" charset="0"/>
+              </a:rPr>
+              <a:t>lasse</a:t>
             </a:r>
             <a:endParaRPr lang="en-US" b="1" dirty="0">
               <a:latin typeface="Montserrat" panose="00000500000000000000" pitchFamily="2" charset="0"/>
@@ -2738,10 +2683,10 @@
       </p:sp>
       <p:pic>
         <p:nvPicPr>
-          <p:cNvPr id="5" name="Picture 2">
-            <a:extLst>
-              <a:ext uri="{FF2B5EF4-FFF2-40B4-BE49-F238E27FC236}">
-                <a16:creationId xmlns:a16="http://schemas.microsoft.com/office/drawing/2014/main" id="{EC85EF77-F061-12B6-2FA2-6FBCC9726CDA}"/>
+          <p:cNvPr id="3" name="Picture 3">
+            <a:extLst>
+              <a:ext uri="{FF2B5EF4-FFF2-40B4-BE49-F238E27FC236}">
+                <a16:creationId xmlns:a16="http://schemas.microsoft.com/office/drawing/2014/main" id="{B3B469A3-0FAC-02E4-FC41-953EF83BB2AB}"/>
               </a:ext>
             </a:extLst>
           </p:cNvPr>
@@ -2764,8 +2709,8 @@
         </p:blipFill>
         <p:spPr>
           <a:xfrm>
-            <a:off x="2119944" y="860110"/>
-            <a:ext cx="10390512" cy="7283381"/>
+            <a:off x="-1" y="402703"/>
+            <a:ext cx="14630401" cy="7826897"/>
           </a:xfrm>
           <a:prstGeom prst="rect">
             <a:avLst/>
@@ -2775,7 +2720,7 @@
     </p:spTree>
     <p:extLst>
       <p:ext uri="{BB962C8B-B14F-4D97-AF65-F5344CB8AC3E}">
-        <p14:creationId xmlns:p14="http://schemas.microsoft.com/office/powerpoint/2010/main" val="4205622105"/>
+        <p14:creationId xmlns:p14="http://schemas.microsoft.com/office/powerpoint/2010/main" val="3597829252"/>
       </p:ext>
     </p:extLst>
   </p:cSld>
@@ -2861,8 +2806,8 @@
         </p:nvSpPr>
         <p:spPr>
           <a:xfrm>
-            <a:off x="3376246" y="304189"/>
-            <a:ext cx="7877908" cy="370614"/>
+            <a:off x="3376246" y="194543"/>
+            <a:ext cx="7877908" cy="665567"/>
           </a:xfrm>
           <a:prstGeom prst="rect">
             <a:avLst/>
@@ -2884,15 +2829,48 @@
             <a:r>
               <a:rPr lang="fr-FR" b="1" dirty="0">
                 <a:latin typeface="Montserrat" panose="00000500000000000000" pitchFamily="2" charset="0"/>
+              </a:rPr>
+              <a:t>B</a:t>
+            </a:r>
+            <a:r>
+              <a:rPr lang="fr-FR" sz="1800" b="1" dirty="0">
+                <a:latin typeface="Montserrat" panose="00000500000000000000" pitchFamily="2" charset="0"/>
+              </a:rPr>
+              <a:t>. </a:t>
+            </a:r>
+            <a:r>
+              <a:rPr lang="fr-FR" b="1" dirty="0">
+                <a:latin typeface="Montserrat" panose="00000500000000000000" pitchFamily="2" charset="0"/>
+              </a:rPr>
+              <a:t>Diagramme </a:t>
+            </a:r>
+            <a:r>
+              <a:rPr lang="fr-FR" b="1" dirty="0">
+                <a:latin typeface="Montserrat" panose="00000500000000000000" pitchFamily="2" charset="0"/>
                 <a:sym typeface="Arial"/>
               </a:rPr>
+              <a:t>d’activité : </a:t>
+            </a:r>
+          </a:p>
+          <a:p>
+            <a:pPr marL="0" indent="0" algn="l">
+              <a:lnSpc>
+                <a:spcPts val="2278"/>
+              </a:lnSpc>
+              <a:buNone/>
+            </a:pPr>
+            <a:r>
+              <a:rPr lang="fr-FR" b="1" dirty="0">
+                <a:latin typeface="Montserrat" panose="00000500000000000000" pitchFamily="2" charset="0"/>
+                <a:sym typeface="Arial"/>
+              </a:rPr>
               <a:t>	- </a:t>
             </a:r>
             <a:r>
               <a:rPr lang="fr-FR" b="1" dirty="0">
                 <a:latin typeface="Montserrat" panose="00000500000000000000" pitchFamily="2" charset="0"/>
               </a:rPr>
-              <a:t>Publier offre d’emploi </a:t>
+              <a:t>Création d'un Compte Entreprise</a:t>
             </a:r>
             <a:endParaRPr lang="en-US" b="1" dirty="0">
               <a:latin typeface="Montserrat" panose="00000500000000000000" pitchFamily="2" charset="0"/>
@@ -2928,7 +2906,7 @@
         </p:blipFill>
         <p:spPr>
           <a:xfrm>
-            <a:off x="2119944" y="782707"/>
+            <a:off x="2119944" y="860110"/>
             <a:ext cx="10390512" cy="7283381"/>
           </a:xfrm>
           <a:prstGeom prst="rect">
@@ -2939,7 +2917,7 @@
     </p:spTree>
     <p:extLst>
       <p:ext uri="{BB962C8B-B14F-4D97-AF65-F5344CB8AC3E}">
-        <p14:creationId xmlns:p14="http://schemas.microsoft.com/office/powerpoint/2010/main" val="3233931543"/>
+        <p14:creationId xmlns:p14="http://schemas.microsoft.com/office/powerpoint/2010/main" val="4205622105"/>
       </p:ext>
     </p:extLst>
   </p:cSld>
@@ -3025,8 +3003,8 @@
         </p:nvSpPr>
         <p:spPr>
           <a:xfrm>
-            <a:off x="3376246" y="194543"/>
-            <a:ext cx="7877908" cy="664669"/>
+            <a:off x="3376246" y="304189"/>
+            <a:ext cx="7877908" cy="370614"/>
           </a:xfrm>
           <a:prstGeom prst="rect">
             <a:avLst/>
@@ -3046,43 +3024,17 @@
               <a:buNone/>
             </a:pPr>
             <a:r>
-              <a:rPr lang="fr-FR" sz="1800" b="1" dirty="0">
-                <a:latin typeface="Montserrat" panose="00000500000000000000" pitchFamily="2" charset="0"/>
-              </a:rPr>
-              <a:t>C. </a:t>
-            </a:r>
-            <a:r>
               <a:rPr lang="fr-FR" b="1" dirty="0">
                 <a:latin typeface="Montserrat" panose="00000500000000000000" pitchFamily="2" charset="0"/>
-              </a:rPr>
-              <a:t>Diagramme de séquence</a:t>
+                <a:sym typeface="Arial"/>
+              </a:rPr>
+              <a:t>	- </a:t>
             </a:r>
             <a:r>
               <a:rPr lang="fr-FR" b="1" dirty="0">
                 <a:latin typeface="Montserrat" panose="00000500000000000000" pitchFamily="2" charset="0"/>
-                <a:sym typeface="Arial"/>
-              </a:rPr>
-              <a:t>: </a:t>
-            </a:r>
-          </a:p>
-          <a:p>
-            <a:pPr>
-              <a:lnSpc>
-                <a:spcPts val="2278"/>
-              </a:lnSpc>
-            </a:pPr>
-            <a:r>
-              <a:rPr lang="fr-FR" b="1" dirty="0">
-                <a:latin typeface="Montserrat" panose="00000500000000000000" pitchFamily="2" charset="0"/>
-                <a:sym typeface="Arial"/>
-              </a:rPr>
-              <a:t>	- </a:t>
-            </a:r>
-            <a:r>
-              <a:rPr lang="fr-FR" b="1" dirty="0">
-                <a:latin typeface="Montserrat" panose="00000500000000000000" pitchFamily="2" charset="0"/>
-              </a:rPr>
-              <a:t>Planifier un entretien </a:t>
+              </a:rPr>
+              <a:t>Publier offre d’emploi </a:t>
             </a:r>
             <a:endParaRPr lang="en-US" b="1" dirty="0">
               <a:latin typeface="Montserrat" panose="00000500000000000000" pitchFamily="2" charset="0"/>
@@ -3092,10 +3044,10 @@
       </p:sp>
       <p:pic>
         <p:nvPicPr>
-          <p:cNvPr id="7" name="Image 6">
-            <a:extLst>
-              <a:ext uri="{FF2B5EF4-FFF2-40B4-BE49-F238E27FC236}">
-                <a16:creationId xmlns:a16="http://schemas.microsoft.com/office/drawing/2014/main" id="{5E9BDF69-0C3C-F1AA-B6C1-AF1D516CD636}"/>
+          <p:cNvPr id="5" name="Picture 2">
+            <a:extLst>
+              <a:ext uri="{FF2B5EF4-FFF2-40B4-BE49-F238E27FC236}">
+                <a16:creationId xmlns:a16="http://schemas.microsoft.com/office/drawing/2014/main" id="{EC85EF77-F061-12B6-2FA2-6FBCC9726CDA}"/>
               </a:ext>
             </a:extLst>
           </p:cNvPr>
@@ -3105,15 +3057,21 @@
           <p:nvPr/>
         </p:nvPicPr>
         <p:blipFill>
-          <a:blip r:embed="rId2"/>
+          <a:blip r:embed="rId2">
+            <a:extLst>
+              <a:ext uri="{28A0092B-C50C-407E-A947-70E740481C1C}">
+                <a14:useLocalDpi xmlns:a14="http://schemas.microsoft.com/office/drawing/2010/main" val="0"/>
+              </a:ext>
+            </a:extLst>
+          </a:blip>
           <a:stretch>
             <a:fillRect/>
           </a:stretch>
         </p:blipFill>
         <p:spPr>
           <a:xfrm>
-            <a:off x="2326361" y="1058056"/>
-            <a:ext cx="9953370" cy="6569882"/>
+            <a:off x="2119944" y="782707"/>
+            <a:ext cx="10390512" cy="7283381"/>
           </a:xfrm>
           <a:prstGeom prst="rect">
             <a:avLst/>
@@ -3123,7 +3081,7 @@
     </p:spTree>
     <p:extLst>
       <p:ext uri="{BB962C8B-B14F-4D97-AF65-F5344CB8AC3E}">
-        <p14:creationId xmlns:p14="http://schemas.microsoft.com/office/powerpoint/2010/main" val="2162293829"/>
+        <p14:creationId xmlns:p14="http://schemas.microsoft.com/office/powerpoint/2010/main" val="3233931543"/>
       </p:ext>
     </p:extLst>
   </p:cSld>
@@ -3195,6 +3153,85 @@
           </a:p>
         </p:txBody>
       </p:sp>
+      <p:sp>
+        <p:nvSpPr>
+          <p:cNvPr id="4" name="ZoneTexte 3">
+            <a:extLst>
+              <a:ext uri="{FF2B5EF4-FFF2-40B4-BE49-F238E27FC236}">
+                <a16:creationId xmlns:a16="http://schemas.microsoft.com/office/drawing/2014/main" id="{F48D7ABA-3B51-B960-4D03-BC4C2655B2C4}"/>
+              </a:ext>
+            </a:extLst>
+          </p:cNvPr>
+          <p:cNvSpPr txBox="1"/>
+          <p:nvPr/>
+        </p:nvSpPr>
+        <p:spPr>
+          <a:xfrm>
+            <a:off x="3376246" y="194543"/>
+            <a:ext cx="7877908" cy="664669"/>
+          </a:xfrm>
+          <a:prstGeom prst="rect">
+            <a:avLst/>
+          </a:prstGeom>
+          <a:noFill/>
+        </p:spPr>
+        <p:txBody>
+          <a:bodyPr wrap="square" rtlCol="0">
+            <a:spAutoFit/>
+          </a:bodyPr>
+          <a:lstStyle/>
+          <a:p>
+            <a:pPr marL="0" indent="0" algn="l">
+              <a:lnSpc>
+                <a:spcPts val="2278"/>
+              </a:lnSpc>
+              <a:buNone/>
+            </a:pPr>
+            <a:r>
+              <a:rPr lang="fr-FR" sz="1800" b="1" dirty="0">
+                <a:latin typeface="Montserrat" panose="00000500000000000000" pitchFamily="2" charset="0"/>
+              </a:rPr>
+              <a:t>C. </a:t>
+            </a:r>
+            <a:r>
+              <a:rPr lang="fr-FR" b="1" dirty="0">
+                <a:latin typeface="Montserrat" panose="00000500000000000000" pitchFamily="2" charset="0"/>
+              </a:rPr>
+              <a:t>Diagramme de séquence</a:t>
+            </a:r>
+            <a:r>
+              <a:rPr lang="fr-FR" b="1" dirty="0">
+                <a:latin typeface="Montserrat" panose="00000500000000000000" pitchFamily="2" charset="0"/>
+                <a:sym typeface="Arial"/>
+              </a:rPr>
+              <a:t>: </a:t>
+            </a:r>
+          </a:p>
+          <a:p>
+            <a:pPr>
+              <a:lnSpc>
+                <a:spcPts val="2278"/>
+              </a:lnSpc>
+            </a:pPr>
+            <a:r>
+              <a:rPr lang="fr-FR" b="1" dirty="0">
+                <a:latin typeface="Montserrat" panose="00000500000000000000" pitchFamily="2" charset="0"/>
+                <a:sym typeface="Arial"/>
+              </a:rPr>
+              <a:t>	- </a:t>
+            </a:r>
+            <a:r>
+              <a:rPr lang="fr-FR" b="1" dirty="0">
+                <a:latin typeface="Montserrat" panose="00000500000000000000" pitchFamily="2" charset="0"/>
+              </a:rPr>
+              <a:t>Planifier un entretien </a:t>
+            </a:r>
+            <a:endParaRPr lang="en-US" b="1" dirty="0">
+              <a:latin typeface="Montserrat" panose="00000500000000000000" pitchFamily="2" charset="0"/>
+            </a:endParaRPr>
+          </a:p>
+        </p:txBody>
+      </p:sp>
       <p:pic>
         <p:nvPicPr>
           <p:cNvPr id="7" name="Image 6">
@@ -3211,13 +3248,14 @@
         </p:nvPicPr>
         <p:blipFill>
           <a:blip r:embed="rId2"/>
-          <a:srcRect/>
-          <a:stretch/>
+          <a:stretch>
+            <a:fillRect/>
+          </a:stretch>
         </p:blipFill>
         <p:spPr>
           <a:xfrm>
-            <a:off x="2485550" y="1284004"/>
-            <a:ext cx="9953370" cy="5113557"/>
+            <a:off x="2326361" y="1058056"/>
+            <a:ext cx="9953370" cy="6569882"/>
           </a:xfrm>
           <a:prstGeom prst="rect">
             <a:avLst/>
@@ -3227,7 +3265,7 @@
     </p:spTree>
     <p:extLst>
       <p:ext uri="{BB962C8B-B14F-4D97-AF65-F5344CB8AC3E}">
-        <p14:creationId xmlns:p14="http://schemas.microsoft.com/office/powerpoint/2010/main" val="1318278239"/>
+        <p14:creationId xmlns:p14="http://schemas.microsoft.com/office/powerpoint/2010/main" val="2162293829"/>
       </p:ext>
     </p:extLst>
   </p:cSld>
@@ -3299,58 +3337,6 @@
           </a:p>
         </p:txBody>
       </p:sp>
-      <p:sp>
-        <p:nvSpPr>
-          <p:cNvPr id="4" name="ZoneTexte 3">
-            <a:extLst>
-              <a:ext uri="{FF2B5EF4-FFF2-40B4-BE49-F238E27FC236}">
-                <a16:creationId xmlns:a16="http://schemas.microsoft.com/office/drawing/2014/main" id="{F48D7ABA-3B51-B960-4D03-BC4C2655B2C4}"/>
-              </a:ext>
-            </a:extLst>
-          </p:cNvPr>
-          <p:cNvSpPr txBox="1"/>
-          <p:nvPr/>
-        </p:nvSpPr>
-        <p:spPr>
-          <a:xfrm>
-            <a:off x="3235569" y="182209"/>
-            <a:ext cx="7877908" cy="369717"/>
-          </a:xfrm>
-          <a:prstGeom prst="rect">
-            <a:avLst/>
-          </a:prstGeom>
-          <a:noFill/>
-        </p:spPr>
-        <p:txBody>
-          <a:bodyPr wrap="square" rtlCol="0">
-            <a:spAutoFit/>
-          </a:bodyPr>
-          <a:lstStyle/>
-          <a:p>
-            <a:pPr>
-              <a:lnSpc>
-                <a:spcPts val="2278"/>
-              </a:lnSpc>
-            </a:pPr>
-            <a:r>
-              <a:rPr lang="fr-FR" b="1" dirty="0">
-                <a:latin typeface="Montserrat" panose="00000500000000000000" pitchFamily="2" charset="0"/>
-                <a:sym typeface="Arial"/>
-              </a:rPr>
-              <a:t>	- </a:t>
-            </a:r>
-            <a:r>
-              <a:rPr lang="fr-FR" b="1" dirty="0">
-                <a:latin typeface="Montserrat" panose="00000500000000000000" pitchFamily="2" charset="0"/>
-              </a:rPr>
-              <a:t>Valider un compte d’entreprise</a:t>
-            </a:r>
-            <a:endParaRPr lang="en-GB" b="1" dirty="0">
-              <a:latin typeface="Montserrat" panose="00000500000000000000" pitchFamily="2" charset="0"/>
-            </a:endParaRPr>
-          </a:p>
-        </p:txBody>
-      </p:sp>
       <p:pic>
         <p:nvPicPr>
           <p:cNvPr id="7" name="Image 6">
@@ -3372,8 +3358,8 @@
         </p:blipFill>
         <p:spPr>
           <a:xfrm>
-            <a:off x="1444793" y="1332262"/>
-            <a:ext cx="11740814" cy="4031046"/>
+            <a:off x="2485550" y="1284004"/>
+            <a:ext cx="9953370" cy="5113557"/>
           </a:xfrm>
           <a:prstGeom prst="rect">
             <a:avLst/>
@@ -3383,7 +3369,7 @@
     </p:spTree>
     <p:extLst>
       <p:ext uri="{BB962C8B-B14F-4D97-AF65-F5344CB8AC3E}">
-        <p14:creationId xmlns:p14="http://schemas.microsoft.com/office/powerpoint/2010/main" val="2156351324"/>
+        <p14:creationId xmlns:p14="http://schemas.microsoft.com/office/powerpoint/2010/main" val="1318278239"/>
       </p:ext>
     </p:extLst>
   </p:cSld>
@@ -3455,6 +3441,58 @@
           </a:p>
         </p:txBody>
       </p:sp>
+      <p:sp>
+        <p:nvSpPr>
+          <p:cNvPr id="4" name="ZoneTexte 3">
+            <a:extLst>
+              <a:ext uri="{FF2B5EF4-FFF2-40B4-BE49-F238E27FC236}">
+                <a16:creationId xmlns:a16="http://schemas.microsoft.com/office/drawing/2014/main" id="{F48D7ABA-3B51-B960-4D03-BC4C2655B2C4}"/>
+              </a:ext>
+            </a:extLst>
+          </p:cNvPr>
+          <p:cNvSpPr txBox="1"/>
+          <p:nvPr/>
+        </p:nvSpPr>
+        <p:spPr>
+          <a:xfrm>
+            <a:off x="3235569" y="182209"/>
+            <a:ext cx="7877908" cy="369717"/>
+          </a:xfrm>
+          <a:prstGeom prst="rect">
+            <a:avLst/>
+          </a:prstGeom>
+          <a:noFill/>
+        </p:spPr>
+        <p:txBody>
+          <a:bodyPr wrap="square" rtlCol="0">
+            <a:spAutoFit/>
+          </a:bodyPr>
+          <a:lstStyle/>
+          <a:p>
+            <a:pPr>
+              <a:lnSpc>
+                <a:spcPts val="2278"/>
+              </a:lnSpc>
+            </a:pPr>
+            <a:r>
+              <a:rPr lang="fr-FR" b="1" dirty="0">
+                <a:latin typeface="Montserrat" panose="00000500000000000000" pitchFamily="2" charset="0"/>
+                <a:sym typeface="Arial"/>
+              </a:rPr>
+              <a:t>	- </a:t>
+            </a:r>
+            <a:r>
+              <a:rPr lang="fr-FR" b="1" dirty="0">
+                <a:latin typeface="Montserrat" panose="00000500000000000000" pitchFamily="2" charset="0"/>
+              </a:rPr>
+              <a:t>Valider un compte d’entreprise</a:t>
+            </a:r>
+            <a:endParaRPr lang="en-GB" b="1" dirty="0">
+              <a:latin typeface="Montserrat" panose="00000500000000000000" pitchFamily="2" charset="0"/>
+            </a:endParaRPr>
+          </a:p>
+        </p:txBody>
+      </p:sp>
       <p:pic>
         <p:nvPicPr>
           <p:cNvPr id="7" name="Image 6">
@@ -3476,8 +3514,8 @@
         </p:blipFill>
         <p:spPr>
           <a:xfrm>
-            <a:off x="1465227" y="653768"/>
-            <a:ext cx="11699946" cy="6784523"/>
+            <a:off x="1444793" y="1332262"/>
+            <a:ext cx="11740814" cy="4031046"/>
           </a:xfrm>
           <a:prstGeom prst="rect">
             <a:avLst/>
@@ -3487,7 +3525,7 @@
     </p:spTree>
     <p:extLst>
       <p:ext uri="{BB962C8B-B14F-4D97-AF65-F5344CB8AC3E}">
-        <p14:creationId xmlns:p14="http://schemas.microsoft.com/office/powerpoint/2010/main" val="3906784765"/>
+        <p14:creationId xmlns:p14="http://schemas.microsoft.com/office/powerpoint/2010/main" val="2156351324"/>
       </p:ext>
     </p:extLst>
   </p:cSld>
@@ -3559,58 +3597,6 @@
           </a:p>
         </p:txBody>
       </p:sp>
-      <p:sp>
-        <p:nvSpPr>
-          <p:cNvPr id="4" name="ZoneTexte 3">
-            <a:extLst>
-              <a:ext uri="{FF2B5EF4-FFF2-40B4-BE49-F238E27FC236}">
-                <a16:creationId xmlns:a16="http://schemas.microsoft.com/office/drawing/2014/main" id="{F48D7ABA-3B51-B960-4D03-BC4C2655B2C4}"/>
-              </a:ext>
-            </a:extLst>
-          </p:cNvPr>
-          <p:cNvSpPr txBox="1"/>
-          <p:nvPr/>
-        </p:nvSpPr>
-        <p:spPr>
-          <a:xfrm>
-            <a:off x="3235569" y="182209"/>
-            <a:ext cx="7877908" cy="369717"/>
-          </a:xfrm>
-          <a:prstGeom prst="rect">
-            <a:avLst/>
-          </a:prstGeom>
-          <a:noFill/>
-        </p:spPr>
-        <p:txBody>
-          <a:bodyPr wrap="square" rtlCol="0">
-            <a:spAutoFit/>
-          </a:bodyPr>
-          <a:lstStyle/>
-          <a:p>
-            <a:pPr>
-              <a:lnSpc>
-                <a:spcPts val="2278"/>
-              </a:lnSpc>
-            </a:pPr>
-            <a:r>
-              <a:rPr lang="fr-FR" b="1" dirty="0">
-                <a:latin typeface="Montserrat" panose="00000500000000000000" pitchFamily="2" charset="0"/>
-                <a:sym typeface="Arial"/>
-              </a:rPr>
-              <a:t>	- </a:t>
-            </a:r>
-            <a:r>
-              <a:rPr lang="fr-FR" b="1" dirty="0">
-                <a:latin typeface="Montserrat" panose="00000500000000000000" pitchFamily="2" charset="0"/>
-              </a:rPr>
-              <a:t>Postuler offre</a:t>
-            </a:r>
-            <a:endParaRPr lang="en-GB" b="1" dirty="0">
-              <a:latin typeface="Montserrat" panose="00000500000000000000" pitchFamily="2" charset="0"/>
-            </a:endParaRPr>
-          </a:p>
-        </p:txBody>
-      </p:sp>
       <p:pic>
         <p:nvPicPr>
           <p:cNvPr id="7" name="Image 6">
@@ -3632,8 +3618,8 @@
         </p:blipFill>
         <p:spPr>
           <a:xfrm>
-            <a:off x="1956839" y="980702"/>
-            <a:ext cx="10716721" cy="5824544"/>
+            <a:off x="1465227" y="653768"/>
+            <a:ext cx="11699946" cy="6784523"/>
           </a:xfrm>
           <a:prstGeom prst="rect">
             <a:avLst/>
@@ -3643,7 +3629,7 @@
     </p:spTree>
     <p:extLst>
       <p:ext uri="{BB962C8B-B14F-4D97-AF65-F5344CB8AC3E}">
-        <p14:creationId xmlns:p14="http://schemas.microsoft.com/office/powerpoint/2010/main" val="67606509"/>
+        <p14:creationId xmlns:p14="http://schemas.microsoft.com/office/powerpoint/2010/main" val="3906784765"/>
       </p:ext>
     </p:extLst>
   </p:cSld>
@@ -4721,6 +4707,162 @@
           </a:p>
         </p:txBody>
       </p:sp>
+      <p:sp>
+        <p:nvSpPr>
+          <p:cNvPr id="4" name="ZoneTexte 3">
+            <a:extLst>
+              <a:ext uri="{FF2B5EF4-FFF2-40B4-BE49-F238E27FC236}">
+                <a16:creationId xmlns:a16="http://schemas.microsoft.com/office/drawing/2014/main" id="{F48D7ABA-3B51-B960-4D03-BC4C2655B2C4}"/>
+              </a:ext>
+            </a:extLst>
+          </p:cNvPr>
+          <p:cNvSpPr txBox="1"/>
+          <p:nvPr/>
+        </p:nvSpPr>
+        <p:spPr>
+          <a:xfrm>
+            <a:off x="3235569" y="182209"/>
+            <a:ext cx="7877908" cy="369717"/>
+          </a:xfrm>
+          <a:prstGeom prst="rect">
+            <a:avLst/>
+          </a:prstGeom>
+          <a:noFill/>
+        </p:spPr>
+        <p:txBody>
+          <a:bodyPr wrap="square" rtlCol="0">
+            <a:spAutoFit/>
+          </a:bodyPr>
+          <a:lstStyle/>
+          <a:p>
+            <a:pPr>
+              <a:lnSpc>
+                <a:spcPts val="2278"/>
+              </a:lnSpc>
+            </a:pPr>
+            <a:r>
+              <a:rPr lang="fr-FR" b="1" dirty="0">
+                <a:latin typeface="Montserrat" panose="00000500000000000000" pitchFamily="2" charset="0"/>
+                <a:sym typeface="Arial"/>
+              </a:rPr>
+              <a:t>	- </a:t>
+            </a:r>
+            <a:r>
+              <a:rPr lang="fr-FR" b="1" dirty="0">
+                <a:latin typeface="Montserrat" panose="00000500000000000000" pitchFamily="2" charset="0"/>
+              </a:rPr>
+              <a:t>Postuler offre</a:t>
+            </a:r>
+            <a:endParaRPr lang="en-GB" b="1" dirty="0">
+              <a:latin typeface="Montserrat" panose="00000500000000000000" pitchFamily="2" charset="0"/>
+            </a:endParaRPr>
+          </a:p>
+        </p:txBody>
+      </p:sp>
+      <p:pic>
+        <p:nvPicPr>
+          <p:cNvPr id="7" name="Image 6">
+            <a:extLst>
+              <a:ext uri="{FF2B5EF4-FFF2-40B4-BE49-F238E27FC236}">
+                <a16:creationId xmlns:a16="http://schemas.microsoft.com/office/drawing/2014/main" id="{5E9BDF69-0C3C-F1AA-B6C1-AF1D516CD636}"/>
+              </a:ext>
+            </a:extLst>
+          </p:cNvPr>
+          <p:cNvPicPr>
+            <a:picLocks noChangeAspect="1"/>
+          </p:cNvPicPr>
+          <p:nvPr/>
+        </p:nvPicPr>
+        <p:blipFill>
+          <a:blip r:embed="rId2"/>
+          <a:srcRect/>
+          <a:stretch/>
+        </p:blipFill>
+        <p:spPr>
+          <a:xfrm>
+            <a:off x="1956839" y="980702"/>
+            <a:ext cx="10716721" cy="5824544"/>
+          </a:xfrm>
+          <a:prstGeom prst="rect">
+            <a:avLst/>
+          </a:prstGeom>
+        </p:spPr>
+      </p:pic>
+    </p:spTree>
+    <p:extLst>
+      <p:ext uri="{BB962C8B-B14F-4D97-AF65-F5344CB8AC3E}">
+        <p14:creationId xmlns:p14="http://schemas.microsoft.com/office/powerpoint/2010/main" val="67606509"/>
+      </p:ext>
+    </p:extLst>
+  </p:cSld>
+  <p:clrMapOvr>
+    <a:masterClrMapping/>
+  </p:clrMapOvr>
+  <mc:AlternateContent xmlns:mc="http://schemas.openxmlformats.org/markup-compatibility/2006" xmlns:p14="http://schemas.microsoft.com/office/powerpoint/2010/main">
+    <mc:Choice Requires="p14">
+      <p:transition spd="slow">
+        <p14:reveal/>
+      </p:transition>
+    </mc:Choice>
+    <mc:Fallback xmlns="">
+      <p:transition spd="slow">
+        <p:fade/>
+      </p:transition>
+    </mc:Fallback>
+  </mc:AlternateContent>
+</p:sld>
+</file>
+
+<file path=ppt/slides/slide21.xml><?xml version="1.0" encoding="utf-8"?>
+<p:sld xmlns:a="http://schemas.openxmlformats.org/drawingml/2006/main" xmlns:r="http://schemas.openxmlformats.org/officeDocument/2006/relationships" xmlns:p="http://schemas.openxmlformats.org/presentationml/2006/main">
+  <p:cSld>
+    <p:spTree>
+      <p:nvGrpSpPr>
+        <p:cNvPr id="1" name=""/>
+        <p:cNvGrpSpPr/>
+        <p:nvPr/>
+      </p:nvGrpSpPr>
+      <p:grpSpPr>
+        <a:xfrm>
+          <a:off x="0" y="0"/>
+          <a:ext cx="0" cy="0"/>
+          <a:chOff x="0" y="0"/>
+          <a:chExt cx="0" cy="0"/>
+        </a:xfrm>
+      </p:grpSpPr>
+      <p:sp>
+        <p:nvSpPr>
+          <p:cNvPr id="2" name="Espace réservé du numéro de diapositive 1">
+            <a:extLst>
+              <a:ext uri="{FF2B5EF4-FFF2-40B4-BE49-F238E27FC236}">
+                <a16:creationId xmlns:a16="http://schemas.microsoft.com/office/drawing/2014/main" id="{AE8E941D-50B6-A6CD-5718-B3781A6BEB70}"/>
+              </a:ext>
+            </a:extLst>
+          </p:cNvPr>
+          <p:cNvSpPr>
+            <a:spLocks noGrp="1"/>
+          </p:cNvSpPr>
+          <p:nvPr>
+            <p:ph type="sldNum" sz="quarter" idx="10"/>
+          </p:nvPr>
+        </p:nvSpPr>
+        <p:spPr/>
+        <p:txBody>
+          <a:bodyPr/>
+          <a:lstStyle/>
+          <a:p>
+            <a:fld id="{790CD567-7D07-49A2-9D52-229A16D2F40D}" type="slidenum">
+              <a:rPr lang="fr-FR" sz="2000" smtClean="0">
+                <a:latin typeface="Montserrat" panose="00000500000000000000" pitchFamily="2" charset="0"/>
+              </a:rPr>
+              <a:t>21</a:t>
+            </a:fld>
+            <a:endParaRPr lang="fr-FR" sz="2000" dirty="0">
+              <a:latin typeface="Montserrat" panose="00000500000000000000" pitchFamily="2" charset="0"/>
+            </a:endParaRPr>
+          </a:p>
+        </p:txBody>
+      </p:sp>
       <p:pic>
         <p:nvPicPr>
           <p:cNvPr id="7" name="Image 6">
@@ -4775,7 +4917,7 @@
 </p:sld>
 </file>
 
-<file path=ppt/slides/slide21.xml><?xml version="1.0" encoding="utf-8"?>
+<file path=ppt/slides/slide22.xml><?xml version="1.0" encoding="utf-8"?>
 <p:sld xmlns:a="http://schemas.openxmlformats.org/drawingml/2006/main" xmlns:r="http://schemas.openxmlformats.org/officeDocument/2006/relationships" xmlns:p="http://schemas.openxmlformats.org/presentationml/2006/main">
   <p:cSld name="Slide 7">
     <p:spTree>
@@ -5077,362 +5219,6 @@
               <a:rPr lang="fr-FR" sz="2000" smtClean="0">
                 <a:latin typeface="Montserrat" panose="00000500000000000000" pitchFamily="2" charset="0"/>
               </a:rPr>
-              <a:t>21</a:t>
-            </a:fld>
-            <a:endParaRPr lang="fr-FR" sz="2000" dirty="0">
-              <a:latin typeface="Montserrat" panose="00000500000000000000" pitchFamily="2" charset="0"/>
-            </a:endParaRPr>
-          </a:p>
-        </p:txBody>
-      </p:sp>
-    </p:spTree>
-  </p:cSld>
-  <p:clrMapOvr>
-    <a:masterClrMapping/>
-  </p:clrMapOvr>
-  <mc:AlternateContent xmlns:mc="http://schemas.openxmlformats.org/markup-compatibility/2006" xmlns:p14="http://schemas.microsoft.com/office/powerpoint/2010/main">
-    <mc:Choice Requires="p14">
-      <p:transition spd="slow">
-        <p14:reveal/>
-      </p:transition>
-    </mc:Choice>
-    <mc:Fallback xmlns="">
-      <p:transition spd="slow">
-        <p:fade/>
-      </p:transition>
-    </mc:Fallback>
-  </mc:AlternateContent>
-</p:sld>
-</file>
-
-<file path=ppt/slides/slide22.xml><?xml version="1.0" encoding="utf-8"?>
-<p:sld xmlns:a="http://schemas.openxmlformats.org/drawingml/2006/main" xmlns:r="http://schemas.openxmlformats.org/officeDocument/2006/relationships" xmlns:p="http://schemas.openxmlformats.org/presentationml/2006/main">
-  <p:cSld>
-    <p:spTree>
-      <p:nvGrpSpPr>
-        <p:cNvPr id="1" name=""/>
-        <p:cNvGrpSpPr/>
-        <p:nvPr/>
-      </p:nvGrpSpPr>
-      <p:grpSpPr>
-        <a:xfrm>
-          <a:off x="0" y="0"/>
-          <a:ext cx="0" cy="0"/>
-          <a:chOff x="0" y="0"/>
-          <a:chExt cx="0" cy="0"/>
-        </a:xfrm>
-      </p:grpSpPr>
-      <p:sp>
-        <p:nvSpPr>
-          <p:cNvPr id="2" name="ZoneTexte 1">
-            <a:extLst>
-              <a:ext uri="{FF2B5EF4-FFF2-40B4-BE49-F238E27FC236}">
-                <a16:creationId xmlns:a16="http://schemas.microsoft.com/office/drawing/2014/main" id="{AD632569-3FF0-CBCB-BCA4-3BB8A3073744}"/>
-              </a:ext>
-            </a:extLst>
-          </p:cNvPr>
-          <p:cNvSpPr txBox="1"/>
-          <p:nvPr/>
-        </p:nvSpPr>
-        <p:spPr>
-          <a:xfrm>
-            <a:off x="2747089" y="946484"/>
-            <a:ext cx="8103500" cy="4247317"/>
-          </a:xfrm>
-          <a:prstGeom prst="rect">
-            <a:avLst/>
-          </a:prstGeom>
-          <a:noFill/>
-        </p:spPr>
-        <p:txBody>
-          <a:bodyPr wrap="none" rtlCol="0">
-            <a:spAutoFit/>
-          </a:bodyPr>
-          <a:lstStyle/>
-          <a:p>
-            <a:endParaRPr lang="fr-FR" dirty="0">
-              <a:latin typeface="Montserrat" panose="00000500000000000000" pitchFamily="2" charset="0"/>
-            </a:endParaRPr>
-          </a:p>
-          <a:p>
-            <a:pPr marL="285750" indent="-285750">
-              <a:buFont typeface="Arial" panose="020B0604020202020204" pitchFamily="34" charset="0"/>
-              <a:buChar char="•"/>
-            </a:pPr>
-            <a:r>
-              <a:rPr lang="fr-FR" b="1" dirty="0">
-                <a:latin typeface="Montserrat" panose="00000500000000000000" pitchFamily="2" charset="0"/>
-              </a:rPr>
-              <a:t>Backend :</a:t>
-            </a:r>
-            <a:r>
-              <a:rPr lang="fr-FR" dirty="0">
-                <a:latin typeface="Montserrat" panose="00000500000000000000" pitchFamily="2" charset="0"/>
-              </a:rPr>
-              <a:t> php </a:t>
-            </a:r>
-          </a:p>
-          <a:p>
-            <a:endParaRPr lang="fr-FR" dirty="0">
-              <a:latin typeface="Montserrat" panose="00000500000000000000" pitchFamily="2" charset="0"/>
-            </a:endParaRPr>
-          </a:p>
-          <a:p>
-            <a:endParaRPr lang="fr-FR" dirty="0">
-              <a:latin typeface="Montserrat" panose="00000500000000000000" pitchFamily="2" charset="0"/>
-            </a:endParaRPr>
-          </a:p>
-          <a:p>
-            <a:pPr>
-              <a:buFont typeface="Arial" panose="020B0604020202020204" pitchFamily="34" charset="0"/>
-              <a:buChar char="•"/>
-            </a:pPr>
-            <a:endParaRPr lang="fr-FR" dirty="0">
-              <a:latin typeface="Montserrat" panose="00000500000000000000" pitchFamily="2" charset="0"/>
-            </a:endParaRPr>
-          </a:p>
-          <a:p>
-            <a:pPr>
-              <a:buFont typeface="Arial" panose="020B0604020202020204" pitchFamily="34" charset="0"/>
-              <a:buChar char="•"/>
-            </a:pPr>
-            <a:endParaRPr lang="fr-FR" dirty="0">
-              <a:latin typeface="Montserrat" panose="00000500000000000000" pitchFamily="2" charset="0"/>
-            </a:endParaRPr>
-          </a:p>
-          <a:p>
-            <a:pPr>
-              <a:buFont typeface="Arial" panose="020B0604020202020204" pitchFamily="34" charset="0"/>
-              <a:buChar char="•"/>
-            </a:pPr>
-            <a:endParaRPr lang="fr-FR" dirty="0">
-              <a:latin typeface="Montserrat" panose="00000500000000000000" pitchFamily="2" charset="0"/>
-            </a:endParaRPr>
-          </a:p>
-          <a:p>
-            <a:pPr>
-              <a:buFont typeface="Arial" panose="020B0604020202020204" pitchFamily="34" charset="0"/>
-              <a:buChar char="•"/>
-            </a:pPr>
-            <a:endParaRPr lang="fr-FR" dirty="0">
-              <a:latin typeface="Montserrat" panose="00000500000000000000" pitchFamily="2" charset="0"/>
-            </a:endParaRPr>
-          </a:p>
-          <a:p>
-            <a:pPr>
-              <a:buFont typeface="Arial" panose="020B0604020202020204" pitchFamily="34" charset="0"/>
-              <a:buChar char="•"/>
-            </a:pPr>
-            <a:endParaRPr lang="fr-FR" dirty="0">
-              <a:latin typeface="Montserrat" panose="00000500000000000000" pitchFamily="2" charset="0"/>
-            </a:endParaRPr>
-          </a:p>
-          <a:p>
-            <a:pPr>
-              <a:buFont typeface="Arial" panose="020B0604020202020204" pitchFamily="34" charset="0"/>
-              <a:buChar char="•"/>
-            </a:pPr>
-            <a:endParaRPr lang="fr-FR" dirty="0">
-              <a:latin typeface="Montserrat" panose="00000500000000000000" pitchFamily="2" charset="0"/>
-            </a:endParaRPr>
-          </a:p>
-          <a:p>
-            <a:pPr>
-              <a:buFont typeface="Arial" panose="020B0604020202020204" pitchFamily="34" charset="0"/>
-              <a:buChar char="•"/>
-            </a:pPr>
-            <a:endParaRPr lang="fr-FR" dirty="0">
-              <a:latin typeface="Montserrat" panose="00000500000000000000" pitchFamily="2" charset="0"/>
-            </a:endParaRPr>
-          </a:p>
-          <a:p>
-            <a:pPr>
-              <a:buFont typeface="Arial" panose="020B0604020202020204" pitchFamily="34" charset="0"/>
-              <a:buChar char="•"/>
-            </a:pPr>
-            <a:endParaRPr lang="fr-FR" dirty="0">
-              <a:latin typeface="Montserrat" panose="00000500000000000000" pitchFamily="2" charset="0"/>
-            </a:endParaRPr>
-          </a:p>
-          <a:p>
-            <a:pPr marL="285750" indent="-285750">
-              <a:buFont typeface="Arial" panose="020B0604020202020204" pitchFamily="34" charset="0"/>
-              <a:buChar char="•"/>
-            </a:pPr>
-            <a:r>
-              <a:rPr lang="fr-FR" b="1" dirty="0">
-                <a:latin typeface="Montserrat" panose="00000500000000000000" pitchFamily="2" charset="0"/>
-              </a:rPr>
-              <a:t>Serveur et Base de données :</a:t>
-            </a:r>
-            <a:r>
-              <a:rPr lang="fr-FR" dirty="0">
-                <a:latin typeface="Montserrat" panose="00000500000000000000" pitchFamily="2" charset="0"/>
-              </a:rPr>
-              <a:t> Xamp, SQL (MySQL, phpmyadmin)</a:t>
-            </a:r>
-          </a:p>
-          <a:p>
-            <a:endParaRPr lang="fr-FR" dirty="0">
-              <a:latin typeface="Montserrat" panose="00000500000000000000" pitchFamily="2" charset="0"/>
-            </a:endParaRPr>
-          </a:p>
-          <a:p>
-            <a:endParaRPr lang="fr-FR" dirty="0"/>
-          </a:p>
-        </p:txBody>
-      </p:sp>
-      <p:pic>
-        <p:nvPicPr>
-          <p:cNvPr id="6" name="Graphique 5">
-            <a:extLst>
-              <a:ext uri="{FF2B5EF4-FFF2-40B4-BE49-F238E27FC236}">
-                <a16:creationId xmlns:a16="http://schemas.microsoft.com/office/drawing/2014/main" id="{F239A57B-28D6-A9BE-CDDA-3EEA64AC19D7}"/>
-              </a:ext>
-            </a:extLst>
-          </p:cNvPr>
-          <p:cNvPicPr>
-            <a:picLocks noChangeAspect="1"/>
-          </p:cNvPicPr>
-          <p:nvPr/>
-        </p:nvPicPr>
-        <p:blipFill>
-          <a:blip r:embed="rId2">
-            <a:extLst>
-              <a:ext uri="{96DAC541-7B7A-43D3-8B79-37D633B846F1}">
-                <asvg:svgBlip xmlns:asvg="http://schemas.microsoft.com/office/drawing/2016/SVG/main" r:embed="rId3"/>
-              </a:ext>
-            </a:extLst>
-          </a:blip>
-          <a:stretch>
-            <a:fillRect/>
-          </a:stretch>
-        </p:blipFill>
-        <p:spPr>
-          <a:xfrm>
-            <a:off x="5785123" y="2000463"/>
-            <a:ext cx="3060153" cy="1602296"/>
-          </a:xfrm>
-          <a:prstGeom prst="rect">
-            <a:avLst/>
-          </a:prstGeom>
-        </p:spPr>
-      </p:pic>
-      <p:pic>
-        <p:nvPicPr>
-          <p:cNvPr id="8" name="Image 7">
-            <a:extLst>
-              <a:ext uri="{FF2B5EF4-FFF2-40B4-BE49-F238E27FC236}">
-                <a16:creationId xmlns:a16="http://schemas.microsoft.com/office/drawing/2014/main" id="{2BC00FB4-582E-6D60-52B5-4F86FBE0F348}"/>
-              </a:ext>
-            </a:extLst>
-          </p:cNvPr>
-          <p:cNvPicPr>
-            <a:picLocks noChangeAspect="1"/>
-          </p:cNvPicPr>
-          <p:nvPr/>
-        </p:nvPicPr>
-        <p:blipFill>
-          <a:blip r:embed="rId4"/>
-          <a:stretch>
-            <a:fillRect/>
-          </a:stretch>
-        </p:blipFill>
-        <p:spPr>
-          <a:xfrm>
-            <a:off x="5880877" y="5129049"/>
-            <a:ext cx="3324726" cy="1720546"/>
-          </a:xfrm>
-          <a:prstGeom prst="rect">
-            <a:avLst/>
-          </a:prstGeom>
-        </p:spPr>
-      </p:pic>
-      <p:pic>
-        <p:nvPicPr>
-          <p:cNvPr id="10" name="Image 9">
-            <a:extLst>
-              <a:ext uri="{FF2B5EF4-FFF2-40B4-BE49-F238E27FC236}">
-                <a16:creationId xmlns:a16="http://schemas.microsoft.com/office/drawing/2014/main" id="{CEF74873-6C9E-2B67-A11D-D66DCFEDD161}"/>
-              </a:ext>
-            </a:extLst>
-          </p:cNvPr>
-          <p:cNvPicPr>
-            <a:picLocks noChangeAspect="1"/>
-          </p:cNvPicPr>
-          <p:nvPr/>
-        </p:nvPicPr>
-        <p:blipFill>
-          <a:blip r:embed="rId5"/>
-          <a:stretch>
-            <a:fillRect/>
-          </a:stretch>
-        </p:blipFill>
-        <p:spPr>
-          <a:xfrm>
-            <a:off x="9935275" y="5039039"/>
-            <a:ext cx="3068188" cy="1810556"/>
-          </a:xfrm>
-          <a:prstGeom prst="rect">
-            <a:avLst/>
-          </a:prstGeom>
-        </p:spPr>
-      </p:pic>
-      <p:pic>
-        <p:nvPicPr>
-          <p:cNvPr id="12" name="Image 11">
-            <a:extLst>
-              <a:ext uri="{FF2B5EF4-FFF2-40B4-BE49-F238E27FC236}">
-                <a16:creationId xmlns:a16="http://schemas.microsoft.com/office/drawing/2014/main" id="{EE26ED5F-76B5-4279-3532-5729407B4B95}"/>
-              </a:ext>
-            </a:extLst>
-          </p:cNvPr>
-          <p:cNvPicPr>
-            <a:picLocks noChangeAspect="1"/>
-          </p:cNvPicPr>
-          <p:nvPr/>
-        </p:nvPicPr>
-        <p:blipFill>
-          <a:blip r:embed="rId6"/>
-          <a:stretch>
-            <a:fillRect/>
-          </a:stretch>
-        </p:blipFill>
-        <p:spPr>
-          <a:xfrm>
-            <a:off x="1605780" y="5039039"/>
-            <a:ext cx="3810000" cy="2533650"/>
-          </a:xfrm>
-          <a:prstGeom prst="rect">
-            <a:avLst/>
-          </a:prstGeom>
-        </p:spPr>
-      </p:pic>
-      <p:sp>
-        <p:nvSpPr>
-          <p:cNvPr id="3" name="Espace réservé du numéro de diapositive 2">
-            <a:extLst>
-              <a:ext uri="{FF2B5EF4-FFF2-40B4-BE49-F238E27FC236}">
-                <a16:creationId xmlns:a16="http://schemas.microsoft.com/office/drawing/2014/main" id="{A5957AC3-14E1-D9D3-473C-97A7E7D2B457}"/>
-              </a:ext>
-            </a:extLst>
-          </p:cNvPr>
-          <p:cNvSpPr>
-            <a:spLocks noGrp="1"/>
-          </p:cNvSpPr>
-          <p:nvPr>
-            <p:ph type="sldNum" sz="quarter" idx="10"/>
-          </p:nvPr>
-        </p:nvSpPr>
-        <p:spPr/>
-        <p:txBody>
-          <a:bodyPr/>
-          <a:lstStyle/>
-          <a:p>
-            <a:fld id="{790CD567-7D07-49A2-9D52-229A16D2F40D}" type="slidenum">
-              <a:rPr lang="fr-FR" sz="2000" smtClean="0">
-                <a:latin typeface="Montserrat" panose="00000500000000000000" pitchFamily="2" charset="0"/>
-              </a:rPr>
               <a:t>22</a:t>
             </a:fld>
             <a:endParaRPr lang="fr-FR" sz="2000" dirty="0">
@@ -5442,11 +5228,6 @@
         </p:txBody>
       </p:sp>
     </p:spTree>
-    <p:extLst>
-      <p:ext uri="{BB962C8B-B14F-4D97-AF65-F5344CB8AC3E}">
-        <p14:creationId xmlns:p14="http://schemas.microsoft.com/office/powerpoint/2010/main" val="2060036130"/>
-      </p:ext>
-    </p:extLst>
   </p:cSld>
   <p:clrMapOvr>
     <a:masterClrMapping/>
@@ -5488,7 +5269,7 @@
           <p:cNvPr id="2" name="ZoneTexte 1">
             <a:extLst>
               <a:ext uri="{FF2B5EF4-FFF2-40B4-BE49-F238E27FC236}">
-                <a16:creationId xmlns:a16="http://schemas.microsoft.com/office/drawing/2014/main" id="{D9F31096-E0D4-0217-ADAC-DD72E27F005E}"/>
+                <a16:creationId xmlns:a16="http://schemas.microsoft.com/office/drawing/2014/main" id="{AD632569-3FF0-CBCB-BCA4-3BB8A3073744}"/>
               </a:ext>
             </a:extLst>
           </p:cNvPr>
@@ -5497,8 +5278,8 @@
         </p:nvSpPr>
         <p:spPr>
           <a:xfrm>
-            <a:off x="2101515" y="1419102"/>
-            <a:ext cx="3874779" cy="4247317"/>
+            <a:off x="2747089" y="946484"/>
+            <a:ext cx="8103500" cy="4247317"/>
           </a:xfrm>
           <a:prstGeom prst="rect">
             <a:avLst/>
@@ -5511,253 +5292,131 @@
           </a:bodyPr>
           <a:lstStyle/>
           <a:p>
-            <a:pPr marL="0" algn="l" rtl="0" eaLnBrk="1" latinLnBrk="0" hangingPunct="1">
-              <a:spcBef>
-                <a:spcPts val="0"/>
-              </a:spcBef>
-              <a:spcAft>
-                <a:spcPts val="0"/>
-              </a:spcAft>
-            </a:pPr>
-            <a:r>
-              <a:rPr lang="fr-FR" sz="1800" b="1" kern="1200" dirty="0">
-                <a:solidFill>
-                  <a:srgbClr val="000000"/>
-                </a:solidFill>
-                <a:effectLst/>
-                <a:latin typeface="Montserrat" panose="00000500000000000000" pitchFamily="2" charset="0"/>
-                <a:ea typeface="+mn-ea"/>
-                <a:cs typeface="+mn-cs"/>
-              </a:rPr>
-              <a:t>Frameworks et bibliothèques :</a:t>
-            </a:r>
-          </a:p>
-          <a:p>
-            <a:pPr marL="0" algn="l" rtl="0" eaLnBrk="1" latinLnBrk="0" hangingPunct="1">
-              <a:spcBef>
-                <a:spcPts val="0"/>
-              </a:spcBef>
-              <a:spcAft>
-                <a:spcPts val="0"/>
-              </a:spcAft>
-            </a:pPr>
             <a:endParaRPr lang="fr-FR" dirty="0">
-              <a:effectLst/>
+              <a:latin typeface="Montserrat" panose="00000500000000000000" pitchFamily="2" charset="0"/>
             </a:endParaRPr>
           </a:p>
           <a:p>
-            <a:pPr marL="285750" indent="-285750" algn="l" rtl="0" eaLnBrk="1" latinLnBrk="0" hangingPunct="1">
-              <a:spcBef>
-                <a:spcPts val="0"/>
-              </a:spcBef>
-              <a:spcAft>
-                <a:spcPts val="0"/>
-              </a:spcAft>
+            <a:pPr marL="285750" indent="-285750">
               <a:buFont typeface="Arial" panose="020B0604020202020204" pitchFamily="34" charset="0"/>
               <a:buChar char="•"/>
             </a:pPr>
             <a:r>
-              <a:rPr lang="fr-FR" sz="1800" b="1" kern="1200" dirty="0">
-                <a:solidFill>
-                  <a:srgbClr val="000000"/>
-                </a:solidFill>
-                <a:effectLst/>
-                <a:latin typeface="Montserrat" panose="00000500000000000000" pitchFamily="2" charset="0"/>
-                <a:ea typeface="+mn-ea"/>
-                <a:cs typeface="+mn-cs"/>
-              </a:rPr>
-              <a:t>Frontend :</a:t>
-            </a:r>
-            <a:r>
-              <a:rPr lang="fr-FR" sz="1800" kern="1200" dirty="0">
-                <a:solidFill>
-                  <a:srgbClr val="000000"/>
-                </a:solidFill>
-                <a:effectLst/>
-                <a:latin typeface="Montserrat" panose="00000500000000000000" pitchFamily="2" charset="0"/>
-                <a:ea typeface="+mn-ea"/>
-                <a:cs typeface="+mn-cs"/>
-              </a:rPr>
-              <a:t> Bootstrap </a:t>
-            </a:r>
-          </a:p>
-          <a:p>
-            <a:pPr marL="0" algn="l" rtl="0" eaLnBrk="1" latinLnBrk="0" hangingPunct="1">
-              <a:spcBef>
-                <a:spcPts val="0"/>
-              </a:spcBef>
-              <a:spcAft>
-                <a:spcPts val="0"/>
-              </a:spcAft>
-            </a:pPr>
+              <a:rPr lang="fr-FR" b="1" dirty="0">
+                <a:latin typeface="Montserrat" panose="00000500000000000000" pitchFamily="2" charset="0"/>
+              </a:rPr>
+              <a:t>Backend :</a:t>
+            </a:r>
+            <a:r>
+              <a:rPr lang="fr-FR" dirty="0">
+                <a:latin typeface="Montserrat" panose="00000500000000000000" pitchFamily="2" charset="0"/>
+              </a:rPr>
+              <a:t> php </a:t>
+            </a:r>
+          </a:p>
+          <a:p>
             <a:endParaRPr lang="fr-FR" dirty="0">
-              <a:solidFill>
-                <a:srgbClr val="000000"/>
-              </a:solidFill>
               <a:latin typeface="Montserrat" panose="00000500000000000000" pitchFamily="2" charset="0"/>
             </a:endParaRPr>
           </a:p>
           <a:p>
-            <a:pPr marL="0" algn="l" rtl="0" eaLnBrk="1" latinLnBrk="0" hangingPunct="1">
-              <a:spcBef>
-                <a:spcPts val="0"/>
-              </a:spcBef>
-              <a:spcAft>
-                <a:spcPts val="0"/>
-              </a:spcAft>
-            </a:pPr>
-            <a:endParaRPr lang="fr-FR" sz="1800" kern="1200" dirty="0">
-              <a:solidFill>
-                <a:srgbClr val="000000"/>
-              </a:solidFill>
-              <a:effectLst/>
-              <a:latin typeface="Montserrat" panose="00000500000000000000" pitchFamily="2" charset="0"/>
-              <a:ea typeface="+mn-ea"/>
-              <a:cs typeface="+mn-cs"/>
-            </a:endParaRPr>
-          </a:p>
-          <a:p>
-            <a:pPr marL="0" algn="l" rtl="0" eaLnBrk="1" latinLnBrk="0" hangingPunct="1">
-              <a:spcBef>
-                <a:spcPts val="0"/>
-              </a:spcBef>
-              <a:spcAft>
-                <a:spcPts val="0"/>
-              </a:spcAft>
-            </a:pPr>
             <a:endParaRPr lang="fr-FR" dirty="0">
-              <a:solidFill>
-                <a:srgbClr val="000000"/>
-              </a:solidFill>
               <a:latin typeface="Montserrat" panose="00000500000000000000" pitchFamily="2" charset="0"/>
             </a:endParaRPr>
           </a:p>
           <a:p>
-            <a:pPr marL="0" algn="l" rtl="0" eaLnBrk="1" latinLnBrk="0" hangingPunct="1">
-              <a:spcBef>
-                <a:spcPts val="0"/>
-              </a:spcBef>
-              <a:spcAft>
-                <a:spcPts val="0"/>
-              </a:spcAft>
-            </a:pPr>
-            <a:endParaRPr lang="fr-FR" sz="1800" kern="1200" dirty="0">
-              <a:solidFill>
-                <a:srgbClr val="000000"/>
-              </a:solidFill>
-              <a:effectLst/>
-              <a:latin typeface="Montserrat" panose="00000500000000000000" pitchFamily="2" charset="0"/>
-              <a:ea typeface="+mn-ea"/>
-              <a:cs typeface="+mn-cs"/>
-            </a:endParaRPr>
-          </a:p>
-          <a:p>
-            <a:pPr marL="0" algn="l" rtl="0" eaLnBrk="1" latinLnBrk="0" hangingPunct="1">
-              <a:spcBef>
-                <a:spcPts val="0"/>
-              </a:spcBef>
-              <a:spcAft>
-                <a:spcPts val="0"/>
-              </a:spcAft>
-            </a:pPr>
-            <a:endParaRPr lang="fr-FR" dirty="0">
-              <a:effectLst/>
-            </a:endParaRPr>
-          </a:p>
-          <a:p>
-            <a:pPr marL="0" algn="l" rtl="0" eaLnBrk="1" latinLnBrk="0" hangingPunct="1">
-              <a:spcBef>
-                <a:spcPts val="0"/>
-              </a:spcBef>
-              <a:spcAft>
-                <a:spcPts val="0"/>
-              </a:spcAft>
-            </a:pPr>
-            <a:endParaRPr lang="fr-FR" dirty="0"/>
-          </a:p>
-          <a:p>
-            <a:pPr marL="0" algn="l" rtl="0" eaLnBrk="1" latinLnBrk="0" hangingPunct="1">
-              <a:spcBef>
-                <a:spcPts val="0"/>
-              </a:spcBef>
-              <a:spcAft>
-                <a:spcPts val="0"/>
-              </a:spcAft>
-            </a:pPr>
-            <a:endParaRPr lang="fr-FR" dirty="0"/>
-          </a:p>
-          <a:p>
-            <a:pPr marL="0" algn="l" rtl="0" eaLnBrk="1" latinLnBrk="0" hangingPunct="1">
-              <a:spcBef>
-                <a:spcPts val="0"/>
-              </a:spcBef>
-              <a:spcAft>
-                <a:spcPts val="0"/>
-              </a:spcAft>
-            </a:pPr>
-            <a:endParaRPr lang="fr-FR" dirty="0"/>
-          </a:p>
-          <a:p>
-            <a:pPr marL="0" algn="l" rtl="0" eaLnBrk="1" latinLnBrk="0" hangingPunct="1">
-              <a:spcBef>
-                <a:spcPts val="0"/>
-              </a:spcBef>
-              <a:spcAft>
-                <a:spcPts val="0"/>
-              </a:spcAft>
-            </a:pPr>
-            <a:endParaRPr lang="fr-FR" dirty="0"/>
-          </a:p>
-          <a:p>
-            <a:pPr marL="0" algn="l" rtl="0" eaLnBrk="1" latinLnBrk="0" hangingPunct="1">
-              <a:spcBef>
-                <a:spcPts val="0"/>
-              </a:spcBef>
-              <a:spcAft>
-                <a:spcPts val="0"/>
-              </a:spcAft>
-            </a:pPr>
-            <a:endParaRPr lang="fr-FR" dirty="0">
-              <a:effectLst/>
-            </a:endParaRPr>
-          </a:p>
-          <a:p>
-            <a:pPr marL="285750" indent="-285750" algn="l" rtl="0" eaLnBrk="1" latinLnBrk="0" hangingPunct="1">
-              <a:spcBef>
-                <a:spcPts val="0"/>
-              </a:spcBef>
-              <a:spcAft>
-                <a:spcPts val="0"/>
-              </a:spcAft>
+            <a:pPr>
               <a:buFont typeface="Arial" panose="020B0604020202020204" pitchFamily="34" charset="0"/>
               <a:buChar char="•"/>
             </a:pPr>
-            <a:r>
-              <a:rPr lang="fr-FR" sz="1800" b="1" kern="1200" dirty="0">
-                <a:solidFill>
-                  <a:srgbClr val="000000"/>
-                </a:solidFill>
-                <a:effectLst/>
-                <a:latin typeface="Montserrat" panose="00000500000000000000" pitchFamily="2" charset="0"/>
-                <a:ea typeface="+mn-ea"/>
-                <a:cs typeface="+mn-cs"/>
-              </a:rPr>
-              <a:t>Backend :</a:t>
-            </a:r>
-            <a:r>
-              <a:rPr lang="fr-FR" sz="1800" kern="1200" dirty="0">
-                <a:solidFill>
-                  <a:srgbClr val="000000"/>
-                </a:solidFill>
-                <a:effectLst/>
-                <a:latin typeface="Montserrat" panose="00000500000000000000" pitchFamily="2" charset="0"/>
-                <a:ea typeface="+mn-ea"/>
-                <a:cs typeface="+mn-cs"/>
-              </a:rPr>
-              <a:t> Laravel</a:t>
-            </a:r>
             <a:endParaRPr lang="fr-FR" dirty="0">
-              <a:effectLst/>
+              <a:latin typeface="Montserrat" panose="00000500000000000000" pitchFamily="2" charset="0"/>
+            </a:endParaRPr>
+          </a:p>
+          <a:p>
+            <a:pPr>
+              <a:buFont typeface="Arial" panose="020B0604020202020204" pitchFamily="34" charset="0"/>
+              <a:buChar char="•"/>
+            </a:pPr>
+            <a:endParaRPr lang="fr-FR" dirty="0">
+              <a:latin typeface="Montserrat" panose="00000500000000000000" pitchFamily="2" charset="0"/>
+            </a:endParaRPr>
+          </a:p>
+          <a:p>
+            <a:pPr>
+              <a:buFont typeface="Arial" panose="020B0604020202020204" pitchFamily="34" charset="0"/>
+              <a:buChar char="•"/>
+            </a:pPr>
+            <a:endParaRPr lang="fr-FR" dirty="0">
+              <a:latin typeface="Montserrat" panose="00000500000000000000" pitchFamily="2" charset="0"/>
+            </a:endParaRPr>
+          </a:p>
+          <a:p>
+            <a:pPr>
+              <a:buFont typeface="Arial" panose="020B0604020202020204" pitchFamily="34" charset="0"/>
+              <a:buChar char="•"/>
+            </a:pPr>
+            <a:endParaRPr lang="fr-FR" dirty="0">
+              <a:latin typeface="Montserrat" panose="00000500000000000000" pitchFamily="2" charset="0"/>
+            </a:endParaRPr>
+          </a:p>
+          <a:p>
+            <a:pPr>
+              <a:buFont typeface="Arial" panose="020B0604020202020204" pitchFamily="34" charset="0"/>
+              <a:buChar char="•"/>
+            </a:pPr>
+            <a:endParaRPr lang="fr-FR" dirty="0">
+              <a:latin typeface="Montserrat" panose="00000500000000000000" pitchFamily="2" charset="0"/>
+            </a:endParaRPr>
+          </a:p>
+          <a:p>
+            <a:pPr>
+              <a:buFont typeface="Arial" panose="020B0604020202020204" pitchFamily="34" charset="0"/>
+              <a:buChar char="•"/>
+            </a:pPr>
+            <a:endParaRPr lang="fr-FR" dirty="0">
+              <a:latin typeface="Montserrat" panose="00000500000000000000" pitchFamily="2" charset="0"/>
+            </a:endParaRPr>
+          </a:p>
+          <a:p>
+            <a:pPr>
+              <a:buFont typeface="Arial" panose="020B0604020202020204" pitchFamily="34" charset="0"/>
+              <a:buChar char="•"/>
+            </a:pPr>
+            <a:endParaRPr lang="fr-FR" dirty="0">
+              <a:latin typeface="Montserrat" panose="00000500000000000000" pitchFamily="2" charset="0"/>
+            </a:endParaRPr>
+          </a:p>
+          <a:p>
+            <a:pPr>
+              <a:buFont typeface="Arial" panose="020B0604020202020204" pitchFamily="34" charset="0"/>
+              <a:buChar char="•"/>
+            </a:pPr>
+            <a:endParaRPr lang="fr-FR" dirty="0">
+              <a:latin typeface="Montserrat" panose="00000500000000000000" pitchFamily="2" charset="0"/>
+            </a:endParaRPr>
+          </a:p>
+          <a:p>
+            <a:pPr marL="285750" indent="-285750">
+              <a:buFont typeface="Arial" panose="020B0604020202020204" pitchFamily="34" charset="0"/>
+              <a:buChar char="•"/>
+            </a:pPr>
+            <a:r>
+              <a:rPr lang="fr-FR" b="1" dirty="0">
+                <a:latin typeface="Montserrat" panose="00000500000000000000" pitchFamily="2" charset="0"/>
+              </a:rPr>
+              <a:t>Serveur et Base de données :</a:t>
+            </a:r>
+            <a:r>
+              <a:rPr lang="fr-FR" dirty="0">
+                <a:latin typeface="Montserrat" panose="00000500000000000000" pitchFamily="2" charset="0"/>
+              </a:rPr>
+              <a:t> Xamp, SQL (MySQL, phpmyadmin)</a:t>
+            </a:r>
+          </a:p>
+          <a:p>
+            <a:endParaRPr lang="fr-FR" dirty="0">
+              <a:latin typeface="Montserrat" panose="00000500000000000000" pitchFamily="2" charset="0"/>
             </a:endParaRPr>
           </a:p>
           <a:p>
@@ -5767,10 +5426,10 @@
       </p:sp>
       <p:pic>
         <p:nvPicPr>
-          <p:cNvPr id="3" name="Image 2">
-            <a:extLst>
-              <a:ext uri="{FF2B5EF4-FFF2-40B4-BE49-F238E27FC236}">
-                <a16:creationId xmlns:a16="http://schemas.microsoft.com/office/drawing/2014/main" id="{2B521E91-9990-492E-B3E6-760F7494E483}"/>
+          <p:cNvPr id="6" name="Graphique 5">
+            <a:extLst>
+              <a:ext uri="{FF2B5EF4-FFF2-40B4-BE49-F238E27FC236}">
+                <a16:creationId xmlns:a16="http://schemas.microsoft.com/office/drawing/2014/main" id="{F239A57B-28D6-A9BE-CDDA-3EEA64AC19D7}"/>
               </a:ext>
             </a:extLst>
           </p:cNvPr>
@@ -5780,15 +5439,21 @@
           <p:nvPr/>
         </p:nvPicPr>
         <p:blipFill>
-          <a:blip r:embed="rId2"/>
+          <a:blip r:embed="rId2">
+            <a:extLst>
+              <a:ext uri="{96DAC541-7B7A-43D3-8B79-37D633B846F1}">
+                <asvg:svgBlip xmlns:asvg="http://schemas.microsoft.com/office/drawing/2016/SVG/main" r:embed="rId3"/>
+              </a:ext>
+            </a:extLst>
+          </a:blip>
           <a:stretch>
             <a:fillRect/>
           </a:stretch>
         </p:blipFill>
         <p:spPr>
           <a:xfrm>
-            <a:off x="5359568" y="4686839"/>
-            <a:ext cx="3911263" cy="2935706"/>
+            <a:off x="5785123" y="2000463"/>
+            <a:ext cx="3060153" cy="1602296"/>
           </a:xfrm>
           <a:prstGeom prst="rect">
             <a:avLst/>
@@ -5797,10 +5462,10 @@
       </p:pic>
       <p:pic>
         <p:nvPicPr>
-          <p:cNvPr id="5" name="Image 4">
-            <a:extLst>
-              <a:ext uri="{FF2B5EF4-FFF2-40B4-BE49-F238E27FC236}">
-                <a16:creationId xmlns:a16="http://schemas.microsoft.com/office/drawing/2014/main" id="{D532812F-8B1A-EF69-6A30-48233C7B946B}"/>
+          <p:cNvPr id="8" name="Image 7">
+            <a:extLst>
+              <a:ext uri="{FF2B5EF4-FFF2-40B4-BE49-F238E27FC236}">
+                <a16:creationId xmlns:a16="http://schemas.microsoft.com/office/drawing/2014/main" id="{2BC00FB4-582E-6D60-52B5-4F86FBE0F348}"/>
               </a:ext>
             </a:extLst>
           </p:cNvPr>
@@ -5809,27 +5474,88 @@
           </p:cNvPicPr>
           <p:nvPr/>
         </p:nvPicPr>
-        <p:blipFill rotWithShape="1">
-          <a:blip r:embed="rId3"/>
-          <a:srcRect t="20846" b="27516"/>
-          <a:stretch/>
+        <p:blipFill>
+          <a:blip r:embed="rId4"/>
+          <a:stretch>
+            <a:fillRect/>
+          </a:stretch>
         </p:blipFill>
         <p:spPr>
           <a:xfrm>
-            <a:off x="5359568" y="2693677"/>
-            <a:ext cx="3911263" cy="1698165"/>
+            <a:off x="5880877" y="5129049"/>
+            <a:ext cx="3324726" cy="1720546"/>
           </a:xfrm>
           <a:prstGeom prst="rect">
             <a:avLst/>
           </a:prstGeom>
         </p:spPr>
       </p:pic>
-      <p:sp>
-        <p:nvSpPr>
-          <p:cNvPr id="4" name="Espace réservé du numéro de diapositive 3">
-            <a:extLst>
-              <a:ext uri="{FF2B5EF4-FFF2-40B4-BE49-F238E27FC236}">
-                <a16:creationId xmlns:a16="http://schemas.microsoft.com/office/drawing/2014/main" id="{24AEBFF0-5B09-C359-F79C-F51C0A05C596}"/>
+      <p:pic>
+        <p:nvPicPr>
+          <p:cNvPr id="10" name="Image 9">
+            <a:extLst>
+              <a:ext uri="{FF2B5EF4-FFF2-40B4-BE49-F238E27FC236}">
+                <a16:creationId xmlns:a16="http://schemas.microsoft.com/office/drawing/2014/main" id="{CEF74873-6C9E-2B67-A11D-D66DCFEDD161}"/>
+              </a:ext>
+            </a:extLst>
+          </p:cNvPr>
+          <p:cNvPicPr>
+            <a:picLocks noChangeAspect="1"/>
+          </p:cNvPicPr>
+          <p:nvPr/>
+        </p:nvPicPr>
+        <p:blipFill>
+          <a:blip r:embed="rId5"/>
+          <a:stretch>
+            <a:fillRect/>
+          </a:stretch>
+        </p:blipFill>
+        <p:spPr>
+          <a:xfrm>
+            <a:off x="9935275" y="5039039"/>
+            <a:ext cx="3068188" cy="1810556"/>
+          </a:xfrm>
+          <a:prstGeom prst="rect">
+            <a:avLst/>
+          </a:prstGeom>
+        </p:spPr>
+      </p:pic>
+      <p:pic>
+        <p:nvPicPr>
+          <p:cNvPr id="12" name="Image 11">
+            <a:extLst>
+              <a:ext uri="{FF2B5EF4-FFF2-40B4-BE49-F238E27FC236}">
+                <a16:creationId xmlns:a16="http://schemas.microsoft.com/office/drawing/2014/main" id="{EE26ED5F-76B5-4279-3532-5729407B4B95}"/>
+              </a:ext>
+            </a:extLst>
+          </p:cNvPr>
+          <p:cNvPicPr>
+            <a:picLocks noChangeAspect="1"/>
+          </p:cNvPicPr>
+          <p:nvPr/>
+        </p:nvPicPr>
+        <p:blipFill>
+          <a:blip r:embed="rId6"/>
+          <a:stretch>
+            <a:fillRect/>
+          </a:stretch>
+        </p:blipFill>
+        <p:spPr>
+          <a:xfrm>
+            <a:off x="1605780" y="5039039"/>
+            <a:ext cx="3810000" cy="2533650"/>
+          </a:xfrm>
+          <a:prstGeom prst="rect">
+            <a:avLst/>
+          </a:prstGeom>
+        </p:spPr>
+      </p:pic>
+      <p:sp>
+        <p:nvSpPr>
+          <p:cNvPr id="3" name="Espace réservé du numéro de diapositive 2">
+            <a:extLst>
+              <a:ext uri="{FF2B5EF4-FFF2-40B4-BE49-F238E27FC236}">
+                <a16:creationId xmlns:a16="http://schemas.microsoft.com/office/drawing/2014/main" id="{A5957AC3-14E1-D9D3-473C-97A7E7D2B457}"/>
               </a:ext>
             </a:extLst>
           </p:cNvPr>
@@ -5860,7 +5586,7 @@
     </p:spTree>
     <p:extLst>
       <p:ext uri="{BB962C8B-B14F-4D97-AF65-F5344CB8AC3E}">
-        <p14:creationId xmlns:p14="http://schemas.microsoft.com/office/powerpoint/2010/main" val="3823757573"/>
+        <p14:creationId xmlns:p14="http://schemas.microsoft.com/office/powerpoint/2010/main" val="2060036130"/>
       </p:ext>
     </p:extLst>
   </p:cSld>
@@ -5904,7 +5630,7 @@
           <p:cNvPr id="2" name="ZoneTexte 1">
             <a:extLst>
               <a:ext uri="{FF2B5EF4-FFF2-40B4-BE49-F238E27FC236}">
-                <a16:creationId xmlns:a16="http://schemas.microsoft.com/office/drawing/2014/main" id="{E5C8ECA9-2792-3A6E-AEBC-79A926008C8C}"/>
+                <a16:creationId xmlns:a16="http://schemas.microsoft.com/office/drawing/2014/main" id="{D9F31096-E0D4-0217-ADAC-DD72E27F005E}"/>
               </a:ext>
             </a:extLst>
           </p:cNvPr>
@@ -5913,8 +5639,8 @@
         </p:nvSpPr>
         <p:spPr>
           <a:xfrm>
-            <a:off x="2182762" y="1324757"/>
-            <a:ext cx="4229043" cy="646331"/>
+            <a:off x="2101515" y="1419102"/>
+            <a:ext cx="3874779" cy="4247317"/>
           </a:xfrm>
           <a:prstGeom prst="rect">
             <a:avLst/>
@@ -5927,19 +5653,14 @@
           </a:bodyPr>
           <a:lstStyle/>
           <a:p>
-            <a:pPr marL="285750" indent="-285750">
-              <a:buFont typeface="Arial" panose="020B0604020202020204" pitchFamily="34" charset="0"/>
-              <a:buChar char="•"/>
-            </a:pPr>
-            <a:r>
-              <a:rPr lang="fr-FR" b="1" dirty="0">
-                <a:solidFill>
-                  <a:srgbClr val="000000"/>
-                </a:solidFill>
-                <a:latin typeface="Montserrat" panose="00000500000000000000" pitchFamily="2" charset="0"/>
-              </a:rPr>
-              <a:t>Outils de gestion </a:t>
-            </a:r>
+            <a:pPr marL="0" algn="l" rtl="0" eaLnBrk="1" latinLnBrk="0" hangingPunct="1">
+              <a:spcBef>
+                <a:spcPts val="0"/>
+              </a:spcBef>
+              <a:spcAft>
+                <a:spcPts val="0"/>
+              </a:spcAft>
+            </a:pPr>
             <a:r>
               <a:rPr lang="fr-FR" sz="1800" b="1" kern="1200" dirty="0">
                 <a:solidFill>
@@ -5950,8 +5671,236 @@
                 <a:ea typeface="+mn-ea"/>
                 <a:cs typeface="+mn-cs"/>
               </a:rPr>
-              <a:t>des versions :</a:t>
-            </a:r>
+              <a:t>Frameworks et bibliothèques :</a:t>
+            </a:r>
+          </a:p>
+          <a:p>
+            <a:pPr marL="0" algn="l" rtl="0" eaLnBrk="1" latinLnBrk="0" hangingPunct="1">
+              <a:spcBef>
+                <a:spcPts val="0"/>
+              </a:spcBef>
+              <a:spcAft>
+                <a:spcPts val="0"/>
+              </a:spcAft>
+            </a:pPr>
+            <a:endParaRPr lang="fr-FR" dirty="0">
+              <a:effectLst/>
+            </a:endParaRPr>
+          </a:p>
+          <a:p>
+            <a:pPr marL="285750" indent="-285750" algn="l" rtl="0" eaLnBrk="1" latinLnBrk="0" hangingPunct="1">
+              <a:spcBef>
+                <a:spcPts val="0"/>
+              </a:spcBef>
+              <a:spcAft>
+                <a:spcPts val="0"/>
+              </a:spcAft>
+              <a:buFont typeface="Arial" panose="020B0604020202020204" pitchFamily="34" charset="0"/>
+              <a:buChar char="•"/>
+            </a:pPr>
+            <a:r>
+              <a:rPr lang="fr-FR" sz="1800" b="1" kern="1200" dirty="0">
+                <a:solidFill>
+                  <a:srgbClr val="000000"/>
+                </a:solidFill>
+                <a:effectLst/>
+                <a:latin typeface="Montserrat" panose="00000500000000000000" pitchFamily="2" charset="0"/>
+                <a:ea typeface="+mn-ea"/>
+                <a:cs typeface="+mn-cs"/>
+              </a:rPr>
+              <a:t>Frontend :</a:t>
+            </a:r>
+            <a:r>
+              <a:rPr lang="fr-FR" sz="1800" kern="1200" dirty="0">
+                <a:solidFill>
+                  <a:srgbClr val="000000"/>
+                </a:solidFill>
+                <a:effectLst/>
+                <a:latin typeface="Montserrat" panose="00000500000000000000" pitchFamily="2" charset="0"/>
+                <a:ea typeface="+mn-ea"/>
+                <a:cs typeface="+mn-cs"/>
+              </a:rPr>
+              <a:t> Bootstrap </a:t>
+            </a:r>
+          </a:p>
+          <a:p>
+            <a:pPr marL="0" algn="l" rtl="0" eaLnBrk="1" latinLnBrk="0" hangingPunct="1">
+              <a:spcBef>
+                <a:spcPts val="0"/>
+              </a:spcBef>
+              <a:spcAft>
+                <a:spcPts val="0"/>
+              </a:spcAft>
+            </a:pPr>
+            <a:endParaRPr lang="fr-FR" dirty="0">
+              <a:solidFill>
+                <a:srgbClr val="000000"/>
+              </a:solidFill>
+              <a:latin typeface="Montserrat" panose="00000500000000000000" pitchFamily="2" charset="0"/>
+            </a:endParaRPr>
+          </a:p>
+          <a:p>
+            <a:pPr marL="0" algn="l" rtl="0" eaLnBrk="1" latinLnBrk="0" hangingPunct="1">
+              <a:spcBef>
+                <a:spcPts val="0"/>
+              </a:spcBef>
+              <a:spcAft>
+                <a:spcPts val="0"/>
+              </a:spcAft>
+            </a:pPr>
+            <a:endParaRPr lang="fr-FR" sz="1800" kern="1200" dirty="0">
+              <a:solidFill>
+                <a:srgbClr val="000000"/>
+              </a:solidFill>
+              <a:effectLst/>
+              <a:latin typeface="Montserrat" panose="00000500000000000000" pitchFamily="2" charset="0"/>
+              <a:ea typeface="+mn-ea"/>
+              <a:cs typeface="+mn-cs"/>
+            </a:endParaRPr>
+          </a:p>
+          <a:p>
+            <a:pPr marL="0" algn="l" rtl="0" eaLnBrk="1" latinLnBrk="0" hangingPunct="1">
+              <a:spcBef>
+                <a:spcPts val="0"/>
+              </a:spcBef>
+              <a:spcAft>
+                <a:spcPts val="0"/>
+              </a:spcAft>
+            </a:pPr>
+            <a:endParaRPr lang="fr-FR" dirty="0">
+              <a:solidFill>
+                <a:srgbClr val="000000"/>
+              </a:solidFill>
+              <a:latin typeface="Montserrat" panose="00000500000000000000" pitchFamily="2" charset="0"/>
+            </a:endParaRPr>
+          </a:p>
+          <a:p>
+            <a:pPr marL="0" algn="l" rtl="0" eaLnBrk="1" latinLnBrk="0" hangingPunct="1">
+              <a:spcBef>
+                <a:spcPts val="0"/>
+              </a:spcBef>
+              <a:spcAft>
+                <a:spcPts val="0"/>
+              </a:spcAft>
+            </a:pPr>
+            <a:endParaRPr lang="fr-FR" sz="1800" kern="1200" dirty="0">
+              <a:solidFill>
+                <a:srgbClr val="000000"/>
+              </a:solidFill>
+              <a:effectLst/>
+              <a:latin typeface="Montserrat" panose="00000500000000000000" pitchFamily="2" charset="0"/>
+              <a:ea typeface="+mn-ea"/>
+              <a:cs typeface="+mn-cs"/>
+            </a:endParaRPr>
+          </a:p>
+          <a:p>
+            <a:pPr marL="0" algn="l" rtl="0" eaLnBrk="1" latinLnBrk="0" hangingPunct="1">
+              <a:spcBef>
+                <a:spcPts val="0"/>
+              </a:spcBef>
+              <a:spcAft>
+                <a:spcPts val="0"/>
+              </a:spcAft>
+            </a:pPr>
+            <a:endParaRPr lang="fr-FR" dirty="0">
+              <a:effectLst/>
+            </a:endParaRPr>
+          </a:p>
+          <a:p>
+            <a:pPr marL="0" algn="l" rtl="0" eaLnBrk="1" latinLnBrk="0" hangingPunct="1">
+              <a:spcBef>
+                <a:spcPts val="0"/>
+              </a:spcBef>
+              <a:spcAft>
+                <a:spcPts val="0"/>
+              </a:spcAft>
+            </a:pPr>
+            <a:endParaRPr lang="fr-FR" dirty="0"/>
+          </a:p>
+          <a:p>
+            <a:pPr marL="0" algn="l" rtl="0" eaLnBrk="1" latinLnBrk="0" hangingPunct="1">
+              <a:spcBef>
+                <a:spcPts val="0"/>
+              </a:spcBef>
+              <a:spcAft>
+                <a:spcPts val="0"/>
+              </a:spcAft>
+            </a:pPr>
+            <a:endParaRPr lang="fr-FR" dirty="0"/>
+          </a:p>
+          <a:p>
+            <a:pPr marL="0" algn="l" rtl="0" eaLnBrk="1" latinLnBrk="0" hangingPunct="1">
+              <a:spcBef>
+                <a:spcPts val="0"/>
+              </a:spcBef>
+              <a:spcAft>
+                <a:spcPts val="0"/>
+              </a:spcAft>
+            </a:pPr>
+            <a:endParaRPr lang="fr-FR" dirty="0"/>
+          </a:p>
+          <a:p>
+            <a:pPr marL="0" algn="l" rtl="0" eaLnBrk="1" latinLnBrk="0" hangingPunct="1">
+              <a:spcBef>
+                <a:spcPts val="0"/>
+              </a:spcBef>
+              <a:spcAft>
+                <a:spcPts val="0"/>
+              </a:spcAft>
+            </a:pPr>
+            <a:endParaRPr lang="fr-FR" dirty="0"/>
+          </a:p>
+          <a:p>
+            <a:pPr marL="0" algn="l" rtl="0" eaLnBrk="1" latinLnBrk="0" hangingPunct="1">
+              <a:spcBef>
+                <a:spcPts val="0"/>
+              </a:spcBef>
+              <a:spcAft>
+                <a:spcPts val="0"/>
+              </a:spcAft>
+            </a:pPr>
+            <a:endParaRPr lang="fr-FR" dirty="0">
+              <a:effectLst/>
+            </a:endParaRPr>
+          </a:p>
+          <a:p>
+            <a:pPr marL="285750" indent="-285750" algn="l" rtl="0" eaLnBrk="1" latinLnBrk="0" hangingPunct="1">
+              <a:spcBef>
+                <a:spcPts val="0"/>
+              </a:spcBef>
+              <a:spcAft>
+                <a:spcPts val="0"/>
+              </a:spcAft>
+              <a:buFont typeface="Arial" panose="020B0604020202020204" pitchFamily="34" charset="0"/>
+              <a:buChar char="•"/>
+            </a:pPr>
+            <a:r>
+              <a:rPr lang="fr-FR" sz="1800" b="1" kern="1200" dirty="0">
+                <a:solidFill>
+                  <a:srgbClr val="000000"/>
+                </a:solidFill>
+                <a:effectLst/>
+                <a:latin typeface="Montserrat" panose="00000500000000000000" pitchFamily="2" charset="0"/>
+                <a:ea typeface="+mn-ea"/>
+                <a:cs typeface="+mn-cs"/>
+              </a:rPr>
+              <a:t>Backend :</a:t>
+            </a:r>
+            <a:r>
+              <a:rPr lang="fr-FR" sz="1800" kern="1200" dirty="0">
+                <a:solidFill>
+                  <a:srgbClr val="000000"/>
+                </a:solidFill>
+                <a:effectLst/>
+                <a:latin typeface="Montserrat" panose="00000500000000000000" pitchFamily="2" charset="0"/>
+                <a:ea typeface="+mn-ea"/>
+                <a:cs typeface="+mn-cs"/>
+              </a:rPr>
+              <a:t> Laravel</a:t>
+            </a:r>
+            <a:endParaRPr lang="fr-FR" dirty="0">
+              <a:effectLst/>
+            </a:endParaRPr>
           </a:p>
           <a:p>
             <a:endParaRPr lang="fr-FR" dirty="0"/>
@@ -5960,10 +5909,10 @@
       </p:sp>
       <p:pic>
         <p:nvPicPr>
-          <p:cNvPr id="8" name="Image 7">
-            <a:extLst>
-              <a:ext uri="{FF2B5EF4-FFF2-40B4-BE49-F238E27FC236}">
-                <a16:creationId xmlns:a16="http://schemas.microsoft.com/office/drawing/2014/main" id="{29A8163F-C031-E59D-DE8D-C3604160860B}"/>
+          <p:cNvPr id="3" name="Image 2">
+            <a:extLst>
+              <a:ext uri="{FF2B5EF4-FFF2-40B4-BE49-F238E27FC236}">
+                <a16:creationId xmlns:a16="http://schemas.microsoft.com/office/drawing/2014/main" id="{2B521E91-9990-492E-B3E6-760F7494E483}"/>
               </a:ext>
             </a:extLst>
           </p:cNvPr>
@@ -5980,8 +5929,8 @@
         </p:blipFill>
         <p:spPr>
           <a:xfrm>
-            <a:off x="6124575" y="2212717"/>
-            <a:ext cx="2381250" cy="2381250"/>
+            <a:off x="5359568" y="4686839"/>
+            <a:ext cx="3911263" cy="2935706"/>
           </a:xfrm>
           <a:prstGeom prst="rect">
             <a:avLst/>
@@ -5990,10 +5939,10 @@
       </p:pic>
       <p:pic>
         <p:nvPicPr>
-          <p:cNvPr id="10" name="Image 9">
-            <a:extLst>
-              <a:ext uri="{FF2B5EF4-FFF2-40B4-BE49-F238E27FC236}">
-                <a16:creationId xmlns:a16="http://schemas.microsoft.com/office/drawing/2014/main" id="{0D7F7A3B-EC78-C589-46BE-EB2BEEA1F1BC}"/>
+          <p:cNvPr id="5" name="Image 4">
+            <a:extLst>
+              <a:ext uri="{FF2B5EF4-FFF2-40B4-BE49-F238E27FC236}">
+                <a16:creationId xmlns:a16="http://schemas.microsoft.com/office/drawing/2014/main" id="{D532812F-8B1A-EF69-6A30-48233C7B946B}"/>
               </a:ext>
             </a:extLst>
           </p:cNvPr>
@@ -6002,16 +5951,15 @@
           </p:cNvPicPr>
           <p:nvPr/>
         </p:nvPicPr>
-        <p:blipFill>
+        <p:blipFill rotWithShape="1">
           <a:blip r:embed="rId3"/>
-          <a:stretch>
-            <a:fillRect/>
-          </a:stretch>
+          <a:srcRect t="20846" b="27516"/>
+          <a:stretch/>
         </p:blipFill>
         <p:spPr>
           <a:xfrm>
-            <a:off x="4573984" y="4743852"/>
-            <a:ext cx="5482432" cy="2032155"/>
+            <a:off x="5359568" y="2693677"/>
+            <a:ext cx="3911263" cy="1698165"/>
           </a:xfrm>
           <a:prstGeom prst="rect">
             <a:avLst/>
@@ -6020,10 +5968,10 @@
       </p:pic>
       <p:sp>
         <p:nvSpPr>
-          <p:cNvPr id="3" name="Espace réservé du numéro de diapositive 2">
-            <a:extLst>
-              <a:ext uri="{FF2B5EF4-FFF2-40B4-BE49-F238E27FC236}">
-                <a16:creationId xmlns:a16="http://schemas.microsoft.com/office/drawing/2014/main" id="{BDB42ED7-C874-4BBC-B1A0-F6516A3E7584}"/>
+          <p:cNvPr id="4" name="Espace réservé du numéro de diapositive 3">
+            <a:extLst>
+              <a:ext uri="{FF2B5EF4-FFF2-40B4-BE49-F238E27FC236}">
+                <a16:creationId xmlns:a16="http://schemas.microsoft.com/office/drawing/2014/main" id="{24AEBFF0-5B09-C359-F79C-F51C0A05C596}"/>
               </a:ext>
             </a:extLst>
           </p:cNvPr>
@@ -6054,7 +6002,7 @@
     </p:spTree>
     <p:extLst>
       <p:ext uri="{BB962C8B-B14F-4D97-AF65-F5344CB8AC3E}">
-        <p14:creationId xmlns:p14="http://schemas.microsoft.com/office/powerpoint/2010/main" val="2454546170"/>
+        <p14:creationId xmlns:p14="http://schemas.microsoft.com/office/powerpoint/2010/main" val="3823757573"/>
       </p:ext>
     </p:extLst>
   </p:cSld>
@@ -6095,10 +6043,129 @@
       </p:grpSpPr>
       <p:sp>
         <p:nvSpPr>
+          <p:cNvPr id="2" name="ZoneTexte 1">
+            <a:extLst>
+              <a:ext uri="{FF2B5EF4-FFF2-40B4-BE49-F238E27FC236}">
+                <a16:creationId xmlns:a16="http://schemas.microsoft.com/office/drawing/2014/main" id="{E5C8ECA9-2792-3A6E-AEBC-79A926008C8C}"/>
+              </a:ext>
+            </a:extLst>
+          </p:cNvPr>
+          <p:cNvSpPr txBox="1"/>
+          <p:nvPr/>
+        </p:nvSpPr>
+        <p:spPr>
+          <a:xfrm>
+            <a:off x="2182762" y="1324757"/>
+            <a:ext cx="4229043" cy="646331"/>
+          </a:xfrm>
+          <a:prstGeom prst="rect">
+            <a:avLst/>
+          </a:prstGeom>
+          <a:noFill/>
+        </p:spPr>
+        <p:txBody>
+          <a:bodyPr wrap="none" rtlCol="0">
+            <a:spAutoFit/>
+          </a:bodyPr>
+          <a:lstStyle/>
+          <a:p>
+            <a:pPr marL="285750" indent="-285750">
+              <a:buFont typeface="Arial" panose="020B0604020202020204" pitchFamily="34" charset="0"/>
+              <a:buChar char="•"/>
+            </a:pPr>
+            <a:r>
+              <a:rPr lang="fr-FR" b="1" dirty="0">
+                <a:solidFill>
+                  <a:srgbClr val="000000"/>
+                </a:solidFill>
+                <a:latin typeface="Montserrat" panose="00000500000000000000" pitchFamily="2" charset="0"/>
+              </a:rPr>
+              <a:t>Outils de gestion </a:t>
+            </a:r>
+            <a:r>
+              <a:rPr lang="fr-FR" sz="1800" b="1" kern="1200" dirty="0">
+                <a:solidFill>
+                  <a:srgbClr val="000000"/>
+                </a:solidFill>
+                <a:effectLst/>
+                <a:latin typeface="Montserrat" panose="00000500000000000000" pitchFamily="2" charset="0"/>
+                <a:ea typeface="+mn-ea"/>
+                <a:cs typeface="+mn-cs"/>
+              </a:rPr>
+              <a:t>des versions :</a:t>
+            </a:r>
+          </a:p>
+          <a:p>
+            <a:endParaRPr lang="fr-FR" dirty="0"/>
+          </a:p>
+        </p:txBody>
+      </p:sp>
+      <p:pic>
+        <p:nvPicPr>
+          <p:cNvPr id="8" name="Image 7">
+            <a:extLst>
+              <a:ext uri="{FF2B5EF4-FFF2-40B4-BE49-F238E27FC236}">
+                <a16:creationId xmlns:a16="http://schemas.microsoft.com/office/drawing/2014/main" id="{29A8163F-C031-E59D-DE8D-C3604160860B}"/>
+              </a:ext>
+            </a:extLst>
+          </p:cNvPr>
+          <p:cNvPicPr>
+            <a:picLocks noChangeAspect="1"/>
+          </p:cNvPicPr>
+          <p:nvPr/>
+        </p:nvPicPr>
+        <p:blipFill>
+          <a:blip r:embed="rId2"/>
+          <a:stretch>
+            <a:fillRect/>
+          </a:stretch>
+        </p:blipFill>
+        <p:spPr>
+          <a:xfrm>
+            <a:off x="6124575" y="2212717"/>
+            <a:ext cx="2381250" cy="2381250"/>
+          </a:xfrm>
+          <a:prstGeom prst="rect">
+            <a:avLst/>
+          </a:prstGeom>
+        </p:spPr>
+      </p:pic>
+      <p:pic>
+        <p:nvPicPr>
+          <p:cNvPr id="10" name="Image 9">
+            <a:extLst>
+              <a:ext uri="{FF2B5EF4-FFF2-40B4-BE49-F238E27FC236}">
+                <a16:creationId xmlns:a16="http://schemas.microsoft.com/office/drawing/2014/main" id="{0D7F7A3B-EC78-C589-46BE-EB2BEEA1F1BC}"/>
+              </a:ext>
+            </a:extLst>
+          </p:cNvPr>
+          <p:cNvPicPr>
+            <a:picLocks noChangeAspect="1"/>
+          </p:cNvPicPr>
+          <p:nvPr/>
+        </p:nvPicPr>
+        <p:blipFill>
+          <a:blip r:embed="rId3"/>
+          <a:stretch>
+            <a:fillRect/>
+          </a:stretch>
+        </p:blipFill>
+        <p:spPr>
+          <a:xfrm>
+            <a:off x="4573984" y="4743852"/>
+            <a:ext cx="5482432" cy="2032155"/>
+          </a:xfrm>
+          <a:prstGeom prst="rect">
+            <a:avLst/>
+          </a:prstGeom>
+        </p:spPr>
+      </p:pic>
+      <p:sp>
+        <p:nvSpPr>
           <p:cNvPr id="3" name="Espace réservé du numéro de diapositive 2">
             <a:extLst>
               <a:ext uri="{FF2B5EF4-FFF2-40B4-BE49-F238E27FC236}">
-                <a16:creationId xmlns:a16="http://schemas.microsoft.com/office/drawing/2014/main" id="{7EA8EC11-DD91-D28F-A3E5-E11385F43B46}"/>
+                <a16:creationId xmlns:a16="http://schemas.microsoft.com/office/drawing/2014/main" id="{BDB42ED7-C874-4BBC-B1A0-F6516A3E7584}"/>
               </a:ext>
             </a:extLst>
           </p:cNvPr>
@@ -6126,92 +6193,10 @@
           </a:p>
         </p:txBody>
       </p:sp>
-      <p:sp>
-        <p:nvSpPr>
-          <p:cNvPr id="4" name="ZoneTexte 3">
-            <a:extLst>
-              <a:ext uri="{FF2B5EF4-FFF2-40B4-BE49-F238E27FC236}">
-                <a16:creationId xmlns:a16="http://schemas.microsoft.com/office/drawing/2014/main" id="{0A8A7613-A13A-AD5B-1D7E-DC608A971E4A}"/>
-              </a:ext>
-            </a:extLst>
-          </p:cNvPr>
-          <p:cNvSpPr txBox="1"/>
-          <p:nvPr/>
-        </p:nvSpPr>
-        <p:spPr>
-          <a:xfrm>
-            <a:off x="1769807" y="914418"/>
-            <a:ext cx="3762568" cy="707886"/>
-          </a:xfrm>
-          <a:prstGeom prst="rect">
-            <a:avLst/>
-          </a:prstGeom>
-          <a:noFill/>
-        </p:spPr>
-        <p:txBody>
-          <a:bodyPr wrap="none" rtlCol="0">
-            <a:spAutoFit/>
-          </a:bodyPr>
-          <a:lstStyle/>
-          <a:p>
-            <a:r>
-              <a:rPr lang="fr-FR" sz="4000" b="1" dirty="0">
-                <a:latin typeface="Montserrat" panose="00000500000000000000" pitchFamily="2" charset="0"/>
-              </a:rPr>
-              <a:t>7. Réalisation</a:t>
-            </a:r>
-          </a:p>
-        </p:txBody>
-      </p:sp>
-      <p:sp>
-        <p:nvSpPr>
-          <p:cNvPr id="2" name="ZoneTexte 1">
-            <a:extLst>
-              <a:ext uri="{FF2B5EF4-FFF2-40B4-BE49-F238E27FC236}">
-                <a16:creationId xmlns:a16="http://schemas.microsoft.com/office/drawing/2014/main" id="{DBBF2CD2-D9BD-950E-8FD5-5C52043069C3}"/>
-              </a:ext>
-            </a:extLst>
-          </p:cNvPr>
-          <p:cNvSpPr txBox="1"/>
-          <p:nvPr/>
-        </p:nvSpPr>
-        <p:spPr>
-          <a:xfrm>
-            <a:off x="1600200" y="2919045"/>
-            <a:ext cx="10287000" cy="923330"/>
-          </a:xfrm>
-          <a:prstGeom prst="rect">
-            <a:avLst/>
-          </a:prstGeom>
-          <a:noFill/>
-        </p:spPr>
-        <p:txBody>
-          <a:bodyPr wrap="square" rtlCol="0">
-            <a:spAutoFit/>
-          </a:bodyPr>
-          <a:lstStyle/>
-          <a:p>
-            <a:pPr algn="ctr"/>
-            <a:r>
-              <a:rPr lang="en-GB" sz="5400" b="1" dirty="0">
-                <a:hlinkClick r:id="rId2">
-                  <a:extLst>
-                    <a:ext uri="{A12FA001-AC4F-418D-AE19-62706E023703}">
-                      <ahyp:hlinkClr xmlns:ahyp="http://schemas.microsoft.com/office/drawing/2018/hyperlinkcolor" val="tx"/>
-                    </a:ext>
-                  </a:extLst>
-                </a:hlinkClick>
-              </a:rPr>
-              <a:t>http://job-souk.ma</a:t>
-            </a:r>
-            <a:endParaRPr lang="en-GB" sz="5400" b="1" dirty="0"/>
-          </a:p>
-        </p:txBody>
-      </p:sp>
     </p:spTree>
     <p:extLst>
       <p:ext uri="{BB962C8B-B14F-4D97-AF65-F5344CB8AC3E}">
-        <p14:creationId xmlns:p14="http://schemas.microsoft.com/office/powerpoint/2010/main" val="2013134848"/>
+        <p14:creationId xmlns:p14="http://schemas.microsoft.com/office/powerpoint/2010/main" val="2454546170"/>
       </p:ext>
     </p:extLst>
   </p:cSld>
@@ -6252,47 +6237,10 @@
       </p:grpSpPr>
       <p:sp>
         <p:nvSpPr>
-          <p:cNvPr id="3" name="ZoneTexte 2">
-            <a:extLst>
-              <a:ext uri="{FF2B5EF4-FFF2-40B4-BE49-F238E27FC236}">
-                <a16:creationId xmlns:a16="http://schemas.microsoft.com/office/drawing/2014/main" id="{06261CA0-AB9F-BE5A-5E89-B6B084CD967E}"/>
-              </a:ext>
-            </a:extLst>
-          </p:cNvPr>
-          <p:cNvSpPr txBox="1"/>
-          <p:nvPr/>
-        </p:nvSpPr>
-        <p:spPr>
-          <a:xfrm>
-            <a:off x="1708030" y="930612"/>
-            <a:ext cx="11214339" cy="707886"/>
-          </a:xfrm>
-          <a:prstGeom prst="rect">
-            <a:avLst/>
-          </a:prstGeom>
-          <a:noFill/>
-        </p:spPr>
-        <p:txBody>
-          <a:bodyPr wrap="square" rtlCol="0">
-            <a:spAutoFit/>
-          </a:bodyPr>
-          <a:lstStyle/>
-          <a:p>
-            <a:r>
-              <a:rPr lang="fr-FR" sz="4000" b="1" dirty="0">
-                <a:latin typeface="Montserrat" panose="00000500000000000000" pitchFamily="2" charset="0"/>
-              </a:rPr>
-              <a:t>8. Conclusion et perspectives</a:t>
-            </a:r>
-          </a:p>
-        </p:txBody>
-      </p:sp>
-      <p:sp>
-        <p:nvSpPr>
-          <p:cNvPr id="2" name="Espace réservé du numéro de diapositive 1">
-            <a:extLst>
-              <a:ext uri="{FF2B5EF4-FFF2-40B4-BE49-F238E27FC236}">
-                <a16:creationId xmlns:a16="http://schemas.microsoft.com/office/drawing/2014/main" id="{44416AC1-1658-6F3A-10A9-50BDEF2CDC60}"/>
+          <p:cNvPr id="3" name="Espace réservé du numéro de diapositive 2">
+            <a:extLst>
+              <a:ext uri="{FF2B5EF4-FFF2-40B4-BE49-F238E27FC236}">
+                <a16:creationId xmlns:a16="http://schemas.microsoft.com/office/drawing/2014/main" id="{7EA8EC11-DD91-D28F-A3E5-E11385F43B46}"/>
               </a:ext>
             </a:extLst>
           </p:cNvPr>
@@ -6322,10 +6270,10 @@
       </p:sp>
       <p:sp>
         <p:nvSpPr>
-          <p:cNvPr id="5" name="ZoneTexte 4">
-            <a:extLst>
-              <a:ext uri="{FF2B5EF4-FFF2-40B4-BE49-F238E27FC236}">
-                <a16:creationId xmlns:a16="http://schemas.microsoft.com/office/drawing/2014/main" id="{B7466238-B275-E8DC-40F4-C2614B5E12A8}"/>
+          <p:cNvPr id="4" name="ZoneTexte 3">
+            <a:extLst>
+              <a:ext uri="{FF2B5EF4-FFF2-40B4-BE49-F238E27FC236}">
+                <a16:creationId xmlns:a16="http://schemas.microsoft.com/office/drawing/2014/main" id="{0A8A7613-A13A-AD5B-1D7E-DC608A971E4A}"/>
               </a:ext>
             </a:extLst>
           </p:cNvPr>
@@ -6334,8 +6282,45 @@
         </p:nvSpPr>
         <p:spPr>
           <a:xfrm>
-            <a:off x="1708030" y="2373267"/>
-            <a:ext cx="11430000" cy="2585323"/>
+            <a:off x="1769807" y="914418"/>
+            <a:ext cx="3762568" cy="707886"/>
+          </a:xfrm>
+          <a:prstGeom prst="rect">
+            <a:avLst/>
+          </a:prstGeom>
+          <a:noFill/>
+        </p:spPr>
+        <p:txBody>
+          <a:bodyPr wrap="none" rtlCol="0">
+            <a:spAutoFit/>
+          </a:bodyPr>
+          <a:lstStyle/>
+          <a:p>
+            <a:r>
+              <a:rPr lang="fr-FR" sz="4000" b="1" dirty="0">
+                <a:latin typeface="Montserrat" panose="00000500000000000000" pitchFamily="2" charset="0"/>
+              </a:rPr>
+              <a:t>7. Réalisation</a:t>
+            </a:r>
+          </a:p>
+        </p:txBody>
+      </p:sp>
+      <p:sp>
+        <p:nvSpPr>
+          <p:cNvPr id="2" name="ZoneTexte 1">
+            <a:extLst>
+              <a:ext uri="{FF2B5EF4-FFF2-40B4-BE49-F238E27FC236}">
+                <a16:creationId xmlns:a16="http://schemas.microsoft.com/office/drawing/2014/main" id="{DBBF2CD2-D9BD-950E-8FD5-5C52043069C3}"/>
+              </a:ext>
+            </a:extLst>
+          </p:cNvPr>
+          <p:cNvSpPr txBox="1"/>
+          <p:nvPr/>
+        </p:nvSpPr>
+        <p:spPr>
+          <a:xfrm>
+            <a:off x="1600200" y="2919045"/>
+            <a:ext cx="10287000" cy="923330"/>
           </a:xfrm>
           <a:prstGeom prst="rect">
             <a:avLst/>
@@ -6348,209 +6333,27 @@
           </a:bodyPr>
           <a:lstStyle/>
           <a:p>
-            <a:pPr marL="285750" indent="-285750">
-              <a:buClr>
-                <a:schemeClr val="tx1"/>
-              </a:buClr>
-              <a:buFont typeface="Arial" panose="020B0604020202020204" pitchFamily="34" charset="0"/>
-              <a:buChar char="•"/>
-            </a:pPr>
-            <a:r>
-              <a:rPr lang="fr-FR" dirty="0">
-                <a:solidFill>
-                  <a:srgbClr val="000000"/>
-                </a:solidFill>
-                <a:latin typeface="Montserrat" panose="00000500000000000000" pitchFamily="2" charset="0"/>
-              </a:rPr>
-              <a:t>Intégration d’un système de mailing automatique</a:t>
-            </a:r>
-          </a:p>
-          <a:p>
-            <a:pPr marL="285750" indent="-285750">
-              <a:buClr>
-                <a:schemeClr val="tx1"/>
-              </a:buClr>
-              <a:buFont typeface="Arial" panose="020B0604020202020204" pitchFamily="34" charset="0"/>
-              <a:buChar char="•"/>
-            </a:pPr>
-            <a:endParaRPr lang="fr-FR" dirty="0">
-              <a:solidFill>
-                <a:srgbClr val="000000"/>
-              </a:solidFill>
-              <a:latin typeface="Montserrat" panose="00000500000000000000" pitchFamily="2" charset="0"/>
-            </a:endParaRPr>
-          </a:p>
-          <a:p>
-            <a:pPr marL="285750" indent="-285750">
-              <a:buClr>
-                <a:schemeClr val="tx1"/>
-              </a:buClr>
-              <a:buFont typeface="Arial" panose="020B0604020202020204" pitchFamily="34" charset="0"/>
-              <a:buChar char="•"/>
-            </a:pPr>
-            <a:r>
-              <a:rPr lang="fr-FR" dirty="0">
-                <a:solidFill>
-                  <a:srgbClr val="000000"/>
-                </a:solidFill>
-                <a:latin typeface="Montserrat" panose="00000500000000000000" pitchFamily="2" charset="0"/>
-              </a:rPr>
-              <a:t>Système de chat interne et notifications</a:t>
-            </a:r>
-          </a:p>
-          <a:p>
-            <a:pPr marL="285750" indent="-285750">
-              <a:buClr>
-                <a:schemeClr val="tx1"/>
-              </a:buClr>
-              <a:buFont typeface="Arial" panose="020B0604020202020204" pitchFamily="34" charset="0"/>
-              <a:buChar char="•"/>
-            </a:pPr>
-            <a:endParaRPr lang="fr-FR" dirty="0">
-              <a:solidFill>
-                <a:srgbClr val="000000"/>
-              </a:solidFill>
-              <a:latin typeface="Montserrat" panose="00000500000000000000" pitchFamily="2" charset="0"/>
-            </a:endParaRPr>
-          </a:p>
-          <a:p>
-            <a:pPr marL="285750" indent="-285750">
-              <a:buClr>
-                <a:schemeClr val="tx1"/>
-              </a:buClr>
-              <a:buFont typeface="Arial" panose="020B0604020202020204" pitchFamily="34" charset="0"/>
-              <a:buChar char="•"/>
-            </a:pPr>
-            <a:r>
-              <a:rPr lang="fr-FR" dirty="0">
-                <a:solidFill>
-                  <a:srgbClr val="000000"/>
-                </a:solidFill>
-                <a:latin typeface="Montserrat" panose="00000500000000000000" pitchFamily="2" charset="0"/>
-              </a:rPr>
-              <a:t>Développement d’un moteur de recherche avancé</a:t>
-            </a:r>
-          </a:p>
-          <a:p>
-            <a:pPr marL="285750" indent="-285750">
-              <a:buClr>
-                <a:schemeClr val="tx1"/>
-              </a:buClr>
-              <a:buFont typeface="Arial" panose="020B0604020202020204" pitchFamily="34" charset="0"/>
-              <a:buChar char="•"/>
-            </a:pPr>
-            <a:endParaRPr lang="fr-FR" dirty="0">
-              <a:solidFill>
-                <a:srgbClr val="000000"/>
-              </a:solidFill>
-              <a:latin typeface="Montserrat" panose="00000500000000000000" pitchFamily="2" charset="0"/>
-            </a:endParaRPr>
-          </a:p>
-          <a:p>
-            <a:pPr marL="285750" indent="-285750">
-              <a:buClr>
-                <a:schemeClr val="tx1"/>
-              </a:buClr>
-              <a:buFont typeface="Arial" panose="020B0604020202020204" pitchFamily="34" charset="0"/>
-              <a:buChar char="•"/>
-            </a:pPr>
-            <a:r>
-              <a:rPr lang="fr-FR" dirty="0">
-                <a:solidFill>
-                  <a:srgbClr val="000000"/>
-                </a:solidFill>
-                <a:latin typeface="Montserrat" panose="00000500000000000000" pitchFamily="2" charset="0"/>
-              </a:rPr>
-              <a:t>Génération automatique de curriculum vitae (CV)</a:t>
-            </a:r>
-            <a:endParaRPr lang="en-GB" dirty="0">
-              <a:solidFill>
-                <a:srgbClr val="000000"/>
-              </a:solidFill>
-              <a:latin typeface="Montserrat" panose="00000500000000000000" pitchFamily="2" charset="0"/>
-            </a:endParaRPr>
-          </a:p>
-          <a:p>
-            <a:pPr marL="285750" indent="-285750">
-              <a:buClr>
-                <a:schemeClr val="tx1"/>
-              </a:buClr>
-              <a:buFont typeface="Arial" panose="020B0604020202020204" pitchFamily="34" charset="0"/>
-              <a:buChar char="•"/>
-            </a:pPr>
-            <a:endParaRPr lang="en-GB" dirty="0">
-              <a:solidFill>
-                <a:srgbClr val="000000"/>
-              </a:solidFill>
-              <a:latin typeface="Montserrat" panose="00000500000000000000" pitchFamily="2" charset="0"/>
-            </a:endParaRPr>
-          </a:p>
-          <a:p>
-            <a:pPr marL="285750" indent="-285750">
-              <a:buClr>
-                <a:schemeClr val="tx1"/>
-              </a:buClr>
-              <a:buFont typeface="Arial" panose="020B0604020202020204" pitchFamily="34" charset="0"/>
-              <a:buChar char="•"/>
-            </a:pPr>
-            <a:r>
-              <a:rPr lang="en-GB" dirty="0" err="1">
-                <a:solidFill>
-                  <a:srgbClr val="000000"/>
-                </a:solidFill>
-                <a:latin typeface="Montserrat" panose="00000500000000000000" pitchFamily="2" charset="0"/>
-              </a:rPr>
-              <a:t>Implémentation</a:t>
-            </a:r>
-            <a:r>
-              <a:rPr lang="en-GB" dirty="0">
-                <a:solidFill>
-                  <a:srgbClr val="000000"/>
-                </a:solidFill>
-                <a:latin typeface="Montserrat" panose="00000500000000000000" pitchFamily="2" charset="0"/>
-              </a:rPr>
-              <a:t> </a:t>
-            </a:r>
-            <a:r>
-              <a:rPr lang="en-GB" dirty="0" err="1">
-                <a:solidFill>
-                  <a:srgbClr val="000000"/>
-                </a:solidFill>
-                <a:latin typeface="Montserrat" panose="00000500000000000000" pitchFamily="2" charset="0"/>
-              </a:rPr>
-              <a:t>d’une</a:t>
-            </a:r>
-            <a:r>
-              <a:rPr lang="en-GB" dirty="0">
-                <a:solidFill>
-                  <a:srgbClr val="000000"/>
-                </a:solidFill>
-                <a:latin typeface="Montserrat" panose="00000500000000000000" pitchFamily="2" charset="0"/>
-              </a:rPr>
-              <a:t> intelligence </a:t>
-            </a:r>
-            <a:r>
-              <a:rPr lang="en-GB" dirty="0" err="1">
-                <a:solidFill>
-                  <a:srgbClr val="000000"/>
-                </a:solidFill>
-                <a:latin typeface="Montserrat" panose="00000500000000000000" pitchFamily="2" charset="0"/>
-              </a:rPr>
-              <a:t>artificielle</a:t>
-            </a:r>
-            <a:endParaRPr lang="en-GB" dirty="0">
-              <a:solidFill>
-                <a:srgbClr val="000000"/>
-              </a:solidFill>
-              <a:latin typeface="Montserrat" panose="00000500000000000000" pitchFamily="2" charset="0"/>
-            </a:endParaRPr>
+            <a:pPr algn="ctr"/>
+            <a:r>
+              <a:rPr lang="en-GB" sz="5400" b="1" dirty="0">
+                <a:hlinkClick r:id="rId2">
+                  <a:extLst>
+                    <a:ext uri="{A12FA001-AC4F-418D-AE19-62706E023703}">
+                      <ahyp:hlinkClr xmlns:ahyp="http://schemas.microsoft.com/office/drawing/2018/hyperlinkcolor" val="tx"/>
+                    </a:ext>
+                  </a:extLst>
+                </a:hlinkClick>
+              </a:rPr>
+              <a:t>http://job-souk.ma</a:t>
+            </a:r>
+            <a:endParaRPr lang="en-GB" sz="5400" b="1" dirty="0"/>
           </a:p>
         </p:txBody>
       </p:sp>
     </p:spTree>
     <p:extLst>
       <p:ext uri="{BB962C8B-B14F-4D97-AF65-F5344CB8AC3E}">
-        <p14:creationId xmlns:p14="http://schemas.microsoft.com/office/powerpoint/2010/main" val="3982191947"/>
+        <p14:creationId xmlns:p14="http://schemas.microsoft.com/office/powerpoint/2010/main" val="2013134848"/>
       </p:ext>
     </p:extLst>
   </p:cSld>
@@ -6591,10 +6394,10 @@
       </p:grpSpPr>
       <p:sp>
         <p:nvSpPr>
-          <p:cNvPr id="2" name="ZoneTexte 1">
-            <a:extLst>
-              <a:ext uri="{FF2B5EF4-FFF2-40B4-BE49-F238E27FC236}">
-                <a16:creationId xmlns:a16="http://schemas.microsoft.com/office/drawing/2014/main" id="{7606B471-FBD2-FC79-128A-F561C7EAA830}"/>
+          <p:cNvPr id="3" name="ZoneTexte 2">
+            <a:extLst>
+              <a:ext uri="{FF2B5EF4-FFF2-40B4-BE49-F238E27FC236}">
+                <a16:creationId xmlns:a16="http://schemas.microsoft.com/office/drawing/2014/main" id="{06261CA0-AB9F-BE5A-5E89-B6B084CD967E}"/>
               </a:ext>
             </a:extLst>
           </p:cNvPr>
@@ -6603,8 +6406,8 @@
         </p:nvSpPr>
         <p:spPr>
           <a:xfrm>
-            <a:off x="3579241" y="3760857"/>
-            <a:ext cx="7471917" cy="707886"/>
+            <a:off x="1708030" y="930612"/>
+            <a:ext cx="11214339" cy="707886"/>
           </a:xfrm>
           <a:prstGeom prst="rect">
             <a:avLst/>
@@ -6612,7 +6415,7 @@
           <a:noFill/>
         </p:spPr>
         <p:txBody>
-          <a:bodyPr wrap="none" rtlCol="0">
+          <a:bodyPr wrap="square" rtlCol="0">
             <a:spAutoFit/>
           </a:bodyPr>
           <a:lstStyle/>
@@ -6621,17 +6424,17 @@
               <a:rPr lang="fr-FR" sz="4000" b="1" dirty="0">
                 <a:latin typeface="Montserrat" panose="00000500000000000000" pitchFamily="2" charset="0"/>
               </a:rPr>
-              <a:t>Merci Pour Votre Attention</a:t>
-            </a:r>
-          </a:p>
-        </p:txBody>
-      </p:sp>
-      <p:sp>
-        <p:nvSpPr>
-          <p:cNvPr id="3" name="Espace réservé du numéro de diapositive 2">
-            <a:extLst>
-              <a:ext uri="{FF2B5EF4-FFF2-40B4-BE49-F238E27FC236}">
-                <a16:creationId xmlns:a16="http://schemas.microsoft.com/office/drawing/2014/main" id="{287DF2BA-1678-5E12-FBA3-B25A7FA34E7D}"/>
+              <a:t>8. Conclusion et perspectives</a:t>
+            </a:r>
+          </a:p>
+        </p:txBody>
+      </p:sp>
+      <p:sp>
+        <p:nvSpPr>
+          <p:cNvPr id="2" name="Espace réservé du numéro de diapositive 1">
+            <a:extLst>
+              <a:ext uri="{FF2B5EF4-FFF2-40B4-BE49-F238E27FC236}">
+                <a16:creationId xmlns:a16="http://schemas.microsoft.com/office/drawing/2014/main" id="{44416AC1-1658-6F3A-10A9-50BDEF2CDC60}"/>
               </a:ext>
             </a:extLst>
           </p:cNvPr>
@@ -6652,6 +6455,345 @@
                 <a:latin typeface="Montserrat" panose="00000500000000000000" pitchFamily="2" charset="0"/>
               </a:rPr>
               <a:t>27</a:t>
+            </a:fld>
+            <a:endParaRPr lang="fr-FR" sz="2000" dirty="0">
+              <a:latin typeface="Montserrat" panose="00000500000000000000" pitchFamily="2" charset="0"/>
+            </a:endParaRPr>
+          </a:p>
+        </p:txBody>
+      </p:sp>
+      <p:sp>
+        <p:nvSpPr>
+          <p:cNvPr id="5" name="ZoneTexte 4">
+            <a:extLst>
+              <a:ext uri="{FF2B5EF4-FFF2-40B4-BE49-F238E27FC236}">
+                <a16:creationId xmlns:a16="http://schemas.microsoft.com/office/drawing/2014/main" id="{B7466238-B275-E8DC-40F4-C2614B5E12A8}"/>
+              </a:ext>
+            </a:extLst>
+          </p:cNvPr>
+          <p:cNvSpPr txBox="1"/>
+          <p:nvPr/>
+        </p:nvSpPr>
+        <p:spPr>
+          <a:xfrm>
+            <a:off x="1708030" y="2373267"/>
+            <a:ext cx="11430000" cy="2585323"/>
+          </a:xfrm>
+          <a:prstGeom prst="rect">
+            <a:avLst/>
+          </a:prstGeom>
+          <a:noFill/>
+        </p:spPr>
+        <p:txBody>
+          <a:bodyPr wrap="square" rtlCol="0">
+            <a:spAutoFit/>
+          </a:bodyPr>
+          <a:lstStyle/>
+          <a:p>
+            <a:pPr marL="285750" indent="-285750">
+              <a:buClr>
+                <a:schemeClr val="tx1"/>
+              </a:buClr>
+              <a:buFont typeface="Arial" panose="020B0604020202020204" pitchFamily="34" charset="0"/>
+              <a:buChar char="•"/>
+            </a:pPr>
+            <a:r>
+              <a:rPr lang="fr-FR" dirty="0">
+                <a:solidFill>
+                  <a:srgbClr val="000000"/>
+                </a:solidFill>
+                <a:latin typeface="Montserrat" panose="00000500000000000000" pitchFamily="2" charset="0"/>
+              </a:rPr>
+              <a:t>Intégration d’un système de mailing automatique</a:t>
+            </a:r>
+          </a:p>
+          <a:p>
+            <a:pPr marL="285750" indent="-285750">
+              <a:buClr>
+                <a:schemeClr val="tx1"/>
+              </a:buClr>
+              <a:buFont typeface="Arial" panose="020B0604020202020204" pitchFamily="34" charset="0"/>
+              <a:buChar char="•"/>
+            </a:pPr>
+            <a:endParaRPr lang="fr-FR" dirty="0">
+              <a:solidFill>
+                <a:srgbClr val="000000"/>
+              </a:solidFill>
+              <a:latin typeface="Montserrat" panose="00000500000000000000" pitchFamily="2" charset="0"/>
+            </a:endParaRPr>
+          </a:p>
+          <a:p>
+            <a:pPr marL="285750" indent="-285750">
+              <a:buClr>
+                <a:schemeClr val="tx1"/>
+              </a:buClr>
+              <a:buFont typeface="Arial" panose="020B0604020202020204" pitchFamily="34" charset="0"/>
+              <a:buChar char="•"/>
+            </a:pPr>
+            <a:r>
+              <a:rPr lang="fr-FR" dirty="0">
+                <a:solidFill>
+                  <a:srgbClr val="000000"/>
+                </a:solidFill>
+                <a:latin typeface="Montserrat" panose="00000500000000000000" pitchFamily="2" charset="0"/>
+              </a:rPr>
+              <a:t>Système de chat interne et notifications</a:t>
+            </a:r>
+          </a:p>
+          <a:p>
+            <a:pPr marL="285750" indent="-285750">
+              <a:buClr>
+                <a:schemeClr val="tx1"/>
+              </a:buClr>
+              <a:buFont typeface="Arial" panose="020B0604020202020204" pitchFamily="34" charset="0"/>
+              <a:buChar char="•"/>
+            </a:pPr>
+            <a:endParaRPr lang="fr-FR" dirty="0">
+              <a:solidFill>
+                <a:srgbClr val="000000"/>
+              </a:solidFill>
+              <a:latin typeface="Montserrat" panose="00000500000000000000" pitchFamily="2" charset="0"/>
+            </a:endParaRPr>
+          </a:p>
+          <a:p>
+            <a:pPr marL="285750" indent="-285750">
+              <a:buClr>
+                <a:schemeClr val="tx1"/>
+              </a:buClr>
+              <a:buFont typeface="Arial" panose="020B0604020202020204" pitchFamily="34" charset="0"/>
+              <a:buChar char="•"/>
+            </a:pPr>
+            <a:r>
+              <a:rPr lang="fr-FR" dirty="0">
+                <a:solidFill>
+                  <a:srgbClr val="000000"/>
+                </a:solidFill>
+                <a:latin typeface="Montserrat" panose="00000500000000000000" pitchFamily="2" charset="0"/>
+              </a:rPr>
+              <a:t>Développement d’un moteur de recherche avancé</a:t>
+            </a:r>
+          </a:p>
+          <a:p>
+            <a:pPr marL="285750" indent="-285750">
+              <a:buClr>
+                <a:schemeClr val="tx1"/>
+              </a:buClr>
+              <a:buFont typeface="Arial" panose="020B0604020202020204" pitchFamily="34" charset="0"/>
+              <a:buChar char="•"/>
+            </a:pPr>
+            <a:endParaRPr lang="fr-FR" dirty="0">
+              <a:solidFill>
+                <a:srgbClr val="000000"/>
+              </a:solidFill>
+              <a:latin typeface="Montserrat" panose="00000500000000000000" pitchFamily="2" charset="0"/>
+            </a:endParaRPr>
+          </a:p>
+          <a:p>
+            <a:pPr marL="285750" indent="-285750">
+              <a:buClr>
+                <a:schemeClr val="tx1"/>
+              </a:buClr>
+              <a:buFont typeface="Arial" panose="020B0604020202020204" pitchFamily="34" charset="0"/>
+              <a:buChar char="•"/>
+            </a:pPr>
+            <a:r>
+              <a:rPr lang="fr-FR" dirty="0">
+                <a:solidFill>
+                  <a:srgbClr val="000000"/>
+                </a:solidFill>
+                <a:latin typeface="Montserrat" panose="00000500000000000000" pitchFamily="2" charset="0"/>
+              </a:rPr>
+              <a:t>Génération automatique de curriculum vitae (CV)</a:t>
+            </a:r>
+            <a:endParaRPr lang="en-GB" dirty="0">
+              <a:solidFill>
+                <a:srgbClr val="000000"/>
+              </a:solidFill>
+              <a:latin typeface="Montserrat" panose="00000500000000000000" pitchFamily="2" charset="0"/>
+            </a:endParaRPr>
+          </a:p>
+          <a:p>
+            <a:pPr marL="285750" indent="-285750">
+              <a:buClr>
+                <a:schemeClr val="tx1"/>
+              </a:buClr>
+              <a:buFont typeface="Arial" panose="020B0604020202020204" pitchFamily="34" charset="0"/>
+              <a:buChar char="•"/>
+            </a:pPr>
+            <a:endParaRPr lang="en-GB" dirty="0">
+              <a:solidFill>
+                <a:srgbClr val="000000"/>
+              </a:solidFill>
+              <a:latin typeface="Montserrat" panose="00000500000000000000" pitchFamily="2" charset="0"/>
+            </a:endParaRPr>
+          </a:p>
+          <a:p>
+            <a:pPr marL="285750" indent="-285750">
+              <a:buClr>
+                <a:schemeClr val="tx1"/>
+              </a:buClr>
+              <a:buFont typeface="Arial" panose="020B0604020202020204" pitchFamily="34" charset="0"/>
+              <a:buChar char="•"/>
+            </a:pPr>
+            <a:r>
+              <a:rPr lang="en-GB" dirty="0" err="1">
+                <a:solidFill>
+                  <a:srgbClr val="000000"/>
+                </a:solidFill>
+                <a:latin typeface="Montserrat" panose="00000500000000000000" pitchFamily="2" charset="0"/>
+              </a:rPr>
+              <a:t>Implémentation</a:t>
+            </a:r>
+            <a:r>
+              <a:rPr lang="en-GB" dirty="0">
+                <a:solidFill>
+                  <a:srgbClr val="000000"/>
+                </a:solidFill>
+                <a:latin typeface="Montserrat" panose="00000500000000000000" pitchFamily="2" charset="0"/>
+              </a:rPr>
+              <a:t> </a:t>
+            </a:r>
+            <a:r>
+              <a:rPr lang="en-GB" dirty="0" err="1">
+                <a:solidFill>
+                  <a:srgbClr val="000000"/>
+                </a:solidFill>
+                <a:latin typeface="Montserrat" panose="00000500000000000000" pitchFamily="2" charset="0"/>
+              </a:rPr>
+              <a:t>d’une</a:t>
+            </a:r>
+            <a:r>
+              <a:rPr lang="en-GB" dirty="0">
+                <a:solidFill>
+                  <a:srgbClr val="000000"/>
+                </a:solidFill>
+                <a:latin typeface="Montserrat" panose="00000500000000000000" pitchFamily="2" charset="0"/>
+              </a:rPr>
+              <a:t> intelligence </a:t>
+            </a:r>
+            <a:r>
+              <a:rPr lang="en-GB" dirty="0" err="1">
+                <a:solidFill>
+                  <a:srgbClr val="000000"/>
+                </a:solidFill>
+                <a:latin typeface="Montserrat" panose="00000500000000000000" pitchFamily="2" charset="0"/>
+              </a:rPr>
+              <a:t>artificielle</a:t>
+            </a:r>
+            <a:endParaRPr lang="en-GB" dirty="0">
+              <a:solidFill>
+                <a:srgbClr val="000000"/>
+              </a:solidFill>
+              <a:latin typeface="Montserrat" panose="00000500000000000000" pitchFamily="2" charset="0"/>
+            </a:endParaRPr>
+          </a:p>
+        </p:txBody>
+      </p:sp>
+    </p:spTree>
+    <p:extLst>
+      <p:ext uri="{BB962C8B-B14F-4D97-AF65-F5344CB8AC3E}">
+        <p14:creationId xmlns:p14="http://schemas.microsoft.com/office/powerpoint/2010/main" val="3982191947"/>
+      </p:ext>
+    </p:extLst>
+  </p:cSld>
+  <p:clrMapOvr>
+    <a:masterClrMapping/>
+  </p:clrMapOvr>
+  <mc:AlternateContent xmlns:mc="http://schemas.openxmlformats.org/markup-compatibility/2006" xmlns:p14="http://schemas.microsoft.com/office/powerpoint/2010/main">
+    <mc:Choice Requires="p14">
+      <p:transition spd="slow">
+        <p14:reveal/>
+      </p:transition>
+    </mc:Choice>
+    <mc:Fallback xmlns="">
+      <p:transition spd="slow">
+        <p:fade/>
+      </p:transition>
+    </mc:Fallback>
+  </mc:AlternateContent>
+</p:sld>
+</file>
+
+<file path=ppt/slides/slide28.xml><?xml version="1.0" encoding="utf-8"?>
+<p:sld xmlns:a="http://schemas.openxmlformats.org/drawingml/2006/main" xmlns:r="http://schemas.openxmlformats.org/officeDocument/2006/relationships" xmlns:p="http://schemas.openxmlformats.org/presentationml/2006/main">
+  <p:cSld>
+    <p:spTree>
+      <p:nvGrpSpPr>
+        <p:cNvPr id="1" name=""/>
+        <p:cNvGrpSpPr/>
+        <p:nvPr/>
+      </p:nvGrpSpPr>
+      <p:grpSpPr>
+        <a:xfrm>
+          <a:off x="0" y="0"/>
+          <a:ext cx="0" cy="0"/>
+          <a:chOff x="0" y="0"/>
+          <a:chExt cx="0" cy="0"/>
+        </a:xfrm>
+      </p:grpSpPr>
+      <p:sp>
+        <p:nvSpPr>
+          <p:cNvPr id="2" name="ZoneTexte 1">
+            <a:extLst>
+              <a:ext uri="{FF2B5EF4-FFF2-40B4-BE49-F238E27FC236}">
+                <a16:creationId xmlns:a16="http://schemas.microsoft.com/office/drawing/2014/main" id="{7606B471-FBD2-FC79-128A-F561C7EAA830}"/>
+              </a:ext>
+            </a:extLst>
+          </p:cNvPr>
+          <p:cNvSpPr txBox="1"/>
+          <p:nvPr/>
+        </p:nvSpPr>
+        <p:spPr>
+          <a:xfrm>
+            <a:off x="3579241" y="3760857"/>
+            <a:ext cx="7471917" cy="707886"/>
+          </a:xfrm>
+          <a:prstGeom prst="rect">
+            <a:avLst/>
+          </a:prstGeom>
+          <a:noFill/>
+        </p:spPr>
+        <p:txBody>
+          <a:bodyPr wrap="none" rtlCol="0">
+            <a:spAutoFit/>
+          </a:bodyPr>
+          <a:lstStyle/>
+          <a:p>
+            <a:r>
+              <a:rPr lang="fr-FR" sz="4000" b="1" dirty="0">
+                <a:latin typeface="Montserrat" panose="00000500000000000000" pitchFamily="2" charset="0"/>
+              </a:rPr>
+              <a:t>Merci Pour Votre Attention</a:t>
+            </a:r>
+          </a:p>
+        </p:txBody>
+      </p:sp>
+      <p:sp>
+        <p:nvSpPr>
+          <p:cNvPr id="3" name="Espace réservé du numéro de diapositive 2">
+            <a:extLst>
+              <a:ext uri="{FF2B5EF4-FFF2-40B4-BE49-F238E27FC236}">
+                <a16:creationId xmlns:a16="http://schemas.microsoft.com/office/drawing/2014/main" id="{287DF2BA-1678-5E12-FBA3-B25A7FA34E7D}"/>
+              </a:ext>
+            </a:extLst>
+          </p:cNvPr>
+          <p:cNvSpPr>
+            <a:spLocks noGrp="1"/>
+          </p:cNvSpPr>
+          <p:nvPr>
+            <p:ph type="sldNum" sz="quarter" idx="10"/>
+          </p:nvPr>
+        </p:nvSpPr>
+        <p:spPr/>
+        <p:txBody>
+          <a:bodyPr/>
+          <a:lstStyle/>
+          <a:p>
+            <a:fld id="{790CD567-7D07-49A2-9D52-229A16D2F40D}" type="slidenum">
+              <a:rPr lang="fr-FR" sz="2000" smtClean="0">
+                <a:latin typeface="Montserrat" panose="00000500000000000000" pitchFamily="2" charset="0"/>
+              </a:rPr>
+              <a:t>28</a:t>
             </a:fld>
             <a:endParaRPr lang="fr-FR" sz="2000" dirty="0">
               <a:latin typeface="Montserrat" panose="00000500000000000000" pitchFamily="2" charset="0"/>
@@ -8369,7 +8511,7 @@
         </p:nvSpPr>
         <p:spPr>
           <a:xfrm>
-            <a:off x="3376246" y="623585"/>
+            <a:off x="3376246" y="438278"/>
             <a:ext cx="7877908" cy="370614"/>
           </a:xfrm>
           <a:prstGeom prst="rect">
@@ -8383,29 +8525,16 @@
           </a:bodyPr>
           <a:lstStyle/>
           <a:p>
-            <a:pPr marL="0" indent="0" algn="l">
+            <a:pPr>
               <a:lnSpc>
                 <a:spcPts val="2278"/>
               </a:lnSpc>
-              <a:buNone/>
             </a:pPr>
             <a:r>
               <a:rPr lang="fr-FR" b="1" dirty="0">
                 <a:latin typeface="Montserrat" panose="00000500000000000000" pitchFamily="2" charset="0"/>
               </a:rPr>
-              <a:t>B</a:t>
-            </a:r>
-            <a:r>
-              <a:rPr lang="fr-FR" sz="1800" b="1" dirty="0">
-                <a:latin typeface="Montserrat" panose="00000500000000000000" pitchFamily="2" charset="0"/>
-              </a:rPr>
-              <a:t>. Diagramme de cas </a:t>
-            </a:r>
-            <a:r>
-              <a:rPr lang="fr-FR" b="1" dirty="0">
-                <a:latin typeface="Montserrat" panose="00000500000000000000" pitchFamily="2" charset="0"/>
-              </a:rPr>
-              <a:t>d'utilisation</a:t>
+              <a:t>B. Outils utilisés dans la conception</a:t>
             </a:r>
             <a:endParaRPr lang="en-US" b="1" dirty="0">
               <a:latin typeface="Montserrat" panose="00000500000000000000" pitchFamily="2" charset="0"/>
@@ -8413,12 +8542,144 @@
           </a:p>
         </p:txBody>
       </p:sp>
+      <p:sp>
+        <p:nvSpPr>
+          <p:cNvPr id="5" name="ZoneTexte 4">
+            <a:extLst>
+              <a:ext uri="{FF2B5EF4-FFF2-40B4-BE49-F238E27FC236}">
+                <a16:creationId xmlns:a16="http://schemas.microsoft.com/office/drawing/2014/main" id="{CB40DBE7-CD15-472A-C568-71214D04EE6C}"/>
+              </a:ext>
+            </a:extLst>
+          </p:cNvPr>
+          <p:cNvSpPr txBox="1"/>
+          <p:nvPr/>
+        </p:nvSpPr>
+        <p:spPr>
+          <a:xfrm>
+            <a:off x="1248507" y="2360474"/>
+            <a:ext cx="6066693" cy="3416320"/>
+          </a:xfrm>
+          <a:prstGeom prst="rect">
+            <a:avLst/>
+          </a:prstGeom>
+          <a:noFill/>
+        </p:spPr>
+        <p:txBody>
+          <a:bodyPr wrap="square">
+            <a:spAutoFit/>
+          </a:bodyPr>
+          <a:lstStyle/>
+          <a:p>
+            <a:pPr marL="342900" indent="-342900">
+              <a:buFont typeface="Arial" panose="020B0604020202020204" pitchFamily="34" charset="0"/>
+              <a:buChar char="•"/>
+            </a:pPr>
+            <a:r>
+              <a:rPr lang="fr-FR" sz="1800" dirty="0"/>
+              <a:t>UML (</a:t>
+            </a:r>
+            <a:r>
+              <a:rPr lang="fr-FR" sz="1800" dirty="0" err="1"/>
+              <a:t>Unified</a:t>
+            </a:r>
+            <a:r>
+              <a:rPr lang="fr-FR" sz="1800" dirty="0"/>
+              <a:t> Modeling </a:t>
+            </a:r>
+            <a:r>
+              <a:rPr lang="fr-FR" sz="1800" dirty="0" err="1"/>
+              <a:t>Language</a:t>
+            </a:r>
+            <a:r>
+              <a:rPr lang="fr-FR" sz="1800" dirty="0"/>
+              <a:t>)</a:t>
+            </a:r>
+          </a:p>
+          <a:p>
+            <a:pPr marL="342900" indent="-342900">
+              <a:buFont typeface="Arial" panose="020B0604020202020204" pitchFamily="34" charset="0"/>
+              <a:buChar char="•"/>
+            </a:pPr>
+            <a:endParaRPr lang="fr-MA" dirty="0"/>
+          </a:p>
+          <a:p>
+            <a:pPr marL="342900" indent="-342900">
+              <a:buFont typeface="Arial" panose="020B0604020202020204" pitchFamily="34" charset="0"/>
+              <a:buChar char="•"/>
+            </a:pPr>
+            <a:endParaRPr lang="fr-MA" dirty="0"/>
+          </a:p>
+          <a:p>
+            <a:pPr marL="342900" indent="-342900">
+              <a:buFont typeface="Arial" panose="020B0604020202020204" pitchFamily="34" charset="0"/>
+              <a:buChar char="•"/>
+            </a:pPr>
+            <a:endParaRPr lang="fr-MA" dirty="0"/>
+          </a:p>
+          <a:p>
+            <a:pPr marL="342900" indent="-342900">
+              <a:buFont typeface="Arial" panose="020B0604020202020204" pitchFamily="34" charset="0"/>
+              <a:buChar char="•"/>
+            </a:pPr>
+            <a:endParaRPr lang="fr-MA" dirty="0"/>
+          </a:p>
+          <a:p>
+            <a:pPr marL="342900" indent="-342900">
+              <a:buFont typeface="Arial" panose="020B0604020202020204" pitchFamily="34" charset="0"/>
+              <a:buChar char="•"/>
+            </a:pPr>
+            <a:endParaRPr lang="fr-MA" dirty="0"/>
+          </a:p>
+          <a:p>
+            <a:pPr marL="342900" indent="-342900">
+              <a:buFont typeface="Arial" panose="020B0604020202020204" pitchFamily="34" charset="0"/>
+              <a:buChar char="•"/>
+            </a:pPr>
+            <a:endParaRPr lang="fr-MA" dirty="0"/>
+          </a:p>
+          <a:p>
+            <a:pPr marL="342900" indent="-342900">
+              <a:buFont typeface="Arial" panose="020B0604020202020204" pitchFamily="34" charset="0"/>
+              <a:buChar char="•"/>
+            </a:pPr>
+            <a:endParaRPr lang="fr-MA" dirty="0"/>
+          </a:p>
+          <a:p>
+            <a:pPr marL="342900" indent="-342900">
+              <a:buFont typeface="Arial" panose="020B0604020202020204" pitchFamily="34" charset="0"/>
+              <a:buChar char="•"/>
+            </a:pPr>
+            <a:endParaRPr lang="fr-MA" dirty="0"/>
+          </a:p>
+          <a:p>
+            <a:endParaRPr lang="fr-MA" dirty="0"/>
+          </a:p>
+          <a:p>
+            <a:pPr marL="342900" indent="-342900">
+              <a:buFont typeface="Arial" panose="020B0604020202020204" pitchFamily="34" charset="0"/>
+              <a:buChar char="•"/>
+            </a:pPr>
+            <a:endParaRPr lang="fr-MA" dirty="0"/>
+          </a:p>
+          <a:p>
+            <a:pPr marL="342900" indent="-342900">
+              <a:buFont typeface="Arial" panose="020B0604020202020204" pitchFamily="34" charset="0"/>
+              <a:buChar char="•"/>
+            </a:pPr>
+            <a:r>
+              <a:rPr lang="fr-MA" dirty="0"/>
+              <a:t>Enterprise Architect</a:t>
+            </a:r>
+            <a:endParaRPr lang="en-GB" dirty="0"/>
+          </a:p>
+        </p:txBody>
+      </p:sp>
       <p:pic>
         <p:nvPicPr>
-          <p:cNvPr id="7" name="Content Placeholder 5" descr="Man with solid fill">
-            <a:extLst>
-              <a:ext uri="{FF2B5EF4-FFF2-40B4-BE49-F238E27FC236}">
-                <a16:creationId xmlns:a16="http://schemas.microsoft.com/office/drawing/2014/main" id="{99FD82CD-E940-FE3B-BCED-2FD62C5AB6F5}"/>
+          <p:cNvPr id="6" name="Content Placeholder 4">
+            <a:extLst>
+              <a:ext uri="{FF2B5EF4-FFF2-40B4-BE49-F238E27FC236}">
+                <a16:creationId xmlns:a16="http://schemas.microsoft.com/office/drawing/2014/main" id="{A9C09946-6279-E9B1-6EE3-7AEBCA7124C8}"/>
               </a:ext>
             </a:extLst>
           </p:cNvPr>
@@ -8428,21 +8689,15 @@
           <p:nvPr/>
         </p:nvPicPr>
         <p:blipFill>
-          <a:blip r:embed="rId2">
-            <a:extLst>
-              <a:ext uri="{96DAC541-7B7A-43D3-8B79-37D633B846F1}">
-                <asvg:svgBlip xmlns:asvg="http://schemas.microsoft.com/office/drawing/2016/SVG/main" r:embed="rId3"/>
-              </a:ext>
-            </a:extLst>
-          </a:blip>
+          <a:blip r:embed="rId2"/>
           <a:stretch>
             <a:fillRect/>
           </a:stretch>
         </p:blipFill>
         <p:spPr>
           <a:xfrm>
-            <a:off x="891662" y="1869047"/>
-            <a:ext cx="3420063" cy="3520515"/>
+            <a:off x="9243290" y="1657275"/>
+            <a:ext cx="2693306" cy="1959380"/>
           </a:xfrm>
           <a:prstGeom prst="rect">
             <a:avLst/>
@@ -8451,191 +8706,55 @@
       </p:pic>
       <p:pic>
         <p:nvPicPr>
-          <p:cNvPr id="8" name="Content Placeholder 5" descr="Man with solid fill">
-            <a:extLst>
-              <a:ext uri="{FF2B5EF4-FFF2-40B4-BE49-F238E27FC236}">
-                <a16:creationId xmlns:a16="http://schemas.microsoft.com/office/drawing/2014/main" id="{FD879F64-85D3-C55D-2F10-1AB075BB0A79}"/>
+          <p:cNvPr id="13" name="Picture 2" descr="Enterprise Architect">
+            <a:extLst>
+              <a:ext uri="{FF2B5EF4-FFF2-40B4-BE49-F238E27FC236}">
+                <a16:creationId xmlns:a16="http://schemas.microsoft.com/office/drawing/2014/main" id="{1F6BE87D-7F4E-0EFC-3A8F-67DDF672CAFF}"/>
               </a:ext>
             </a:extLst>
           </p:cNvPr>
           <p:cNvPicPr>
-            <a:picLocks noChangeAspect="1"/>
+            <a:picLocks noChangeAspect="1" noChangeArrowheads="1"/>
           </p:cNvPicPr>
           <p:nvPr/>
         </p:nvPicPr>
         <p:blipFill>
-          <a:blip r:embed="rId2">
-            <a:extLst>
-              <a:ext uri="{96DAC541-7B7A-43D3-8B79-37D633B846F1}">
-                <asvg:svgBlip xmlns:asvg="http://schemas.microsoft.com/office/drawing/2016/SVG/main" r:embed="rId3"/>
+          <a:blip r:embed="rId3">
+            <a:extLst>
+              <a:ext uri="{28A0092B-C50C-407E-A947-70E740481C1C}">
+                <a14:useLocalDpi xmlns:a14="http://schemas.microsoft.com/office/drawing/2010/main" val="0"/>
               </a:ext>
             </a:extLst>
           </a:blip>
+          <a:srcRect/>
           <a:stretch>
             <a:fillRect/>
           </a:stretch>
         </p:blipFill>
-        <p:spPr>
-          <a:xfrm>
-            <a:off x="5554942" y="1869047"/>
-            <a:ext cx="3520515" cy="3520515"/>
-          </a:xfrm>
-          <a:prstGeom prst="rect">
-            <a:avLst/>
-          </a:prstGeom>
+        <p:spPr bwMode="auto">
+          <a:xfrm>
+            <a:off x="9385315" y="4465038"/>
+            <a:ext cx="2775983" cy="1459630"/>
+          </a:xfrm>
+          <a:prstGeom prst="rect">
+            <a:avLst/>
+          </a:prstGeom>
+          <a:noFill/>
+          <a:extLst>
+            <a:ext uri="{909E8E84-426E-40DD-AFC4-6F175D3DCCD1}">
+              <a14:hiddenFill xmlns:a14="http://schemas.microsoft.com/office/drawing/2010/main">
+                <a:solidFill>
+                  <a:srgbClr val="FFFFFF"/>
+                </a:solidFill>
+              </a14:hiddenFill>
+            </a:ext>
+          </a:extLst>
         </p:spPr>
       </p:pic>
-      <p:pic>
-        <p:nvPicPr>
-          <p:cNvPr id="9" name="Content Placeholder 5" descr="Man with solid fill">
-            <a:extLst>
-              <a:ext uri="{FF2B5EF4-FFF2-40B4-BE49-F238E27FC236}">
-                <a16:creationId xmlns:a16="http://schemas.microsoft.com/office/drawing/2014/main" id="{B21CDEE4-A8AD-EDFA-B6F9-FC570081C875}"/>
-              </a:ext>
-            </a:extLst>
-          </p:cNvPr>
-          <p:cNvPicPr>
-            <a:picLocks noChangeAspect="1"/>
-          </p:cNvPicPr>
-          <p:nvPr/>
-        </p:nvPicPr>
-        <p:blipFill>
-          <a:blip r:embed="rId2">
-            <a:extLst>
-              <a:ext uri="{96DAC541-7B7A-43D3-8B79-37D633B846F1}">
-                <asvg:svgBlip xmlns:asvg="http://schemas.microsoft.com/office/drawing/2016/SVG/main" r:embed="rId3"/>
-              </a:ext>
-            </a:extLst>
-          </a:blip>
-          <a:stretch>
-            <a:fillRect/>
-          </a:stretch>
-        </p:blipFill>
-        <p:spPr>
-          <a:xfrm>
-            <a:off x="10218223" y="1869046"/>
-            <a:ext cx="3520515" cy="3520515"/>
-          </a:xfrm>
-          <a:prstGeom prst="rect">
-            <a:avLst/>
-          </a:prstGeom>
-        </p:spPr>
-      </p:pic>
-      <p:sp>
-        <p:nvSpPr>
-          <p:cNvPr id="10" name="ZoneTexte 9">
-            <a:extLst>
-              <a:ext uri="{FF2B5EF4-FFF2-40B4-BE49-F238E27FC236}">
-                <a16:creationId xmlns:a16="http://schemas.microsoft.com/office/drawing/2014/main" id="{35DF655B-A2B2-4DBA-B24B-6645755F66D4}"/>
-              </a:ext>
-            </a:extLst>
-          </p:cNvPr>
-          <p:cNvSpPr txBox="1"/>
-          <p:nvPr/>
-        </p:nvSpPr>
-        <p:spPr>
-          <a:xfrm>
-            <a:off x="1344809" y="5802923"/>
-            <a:ext cx="2409092" cy="400110"/>
-          </a:xfrm>
-          <a:prstGeom prst="rect">
-            <a:avLst/>
-          </a:prstGeom>
-          <a:noFill/>
-        </p:spPr>
-        <p:txBody>
-          <a:bodyPr wrap="square" rtlCol="0">
-            <a:spAutoFit/>
-          </a:bodyPr>
-          <a:lstStyle/>
-          <a:p>
-            <a:pPr algn="ctr"/>
-            <a:r>
-              <a:rPr lang="fr-FR" sz="2000" b="1" dirty="0"/>
-              <a:t>Administrateur</a:t>
-            </a:r>
-            <a:endParaRPr lang="en-GB" b="1" dirty="0"/>
-          </a:p>
-        </p:txBody>
-      </p:sp>
-      <p:sp>
-        <p:nvSpPr>
-          <p:cNvPr id="11" name="ZoneTexte 10">
-            <a:extLst>
-              <a:ext uri="{FF2B5EF4-FFF2-40B4-BE49-F238E27FC236}">
-                <a16:creationId xmlns:a16="http://schemas.microsoft.com/office/drawing/2014/main" id="{B8E6863B-D760-376E-DF10-A36207404507}"/>
-              </a:ext>
-            </a:extLst>
-          </p:cNvPr>
-          <p:cNvSpPr txBox="1"/>
-          <p:nvPr/>
-        </p:nvSpPr>
-        <p:spPr>
-          <a:xfrm>
-            <a:off x="6110654" y="5802923"/>
-            <a:ext cx="2409092" cy="400110"/>
-          </a:xfrm>
-          <a:prstGeom prst="rect">
-            <a:avLst/>
-          </a:prstGeom>
-          <a:noFill/>
-        </p:spPr>
-        <p:txBody>
-          <a:bodyPr wrap="square" rtlCol="0">
-            <a:spAutoFit/>
-          </a:bodyPr>
-          <a:lstStyle/>
-          <a:p>
-            <a:pPr algn="ctr"/>
-            <a:r>
-              <a:rPr lang="fr-FR" sz="2000" b="1" dirty="0"/>
-              <a:t>Candidat</a:t>
-            </a:r>
-            <a:endParaRPr lang="en-GB" b="1" dirty="0"/>
-          </a:p>
-        </p:txBody>
-      </p:sp>
-      <p:sp>
-        <p:nvSpPr>
-          <p:cNvPr id="12" name="ZoneTexte 11">
-            <a:extLst>
-              <a:ext uri="{FF2B5EF4-FFF2-40B4-BE49-F238E27FC236}">
-                <a16:creationId xmlns:a16="http://schemas.microsoft.com/office/drawing/2014/main" id="{55149E69-7316-0EB4-293F-ADB96EE2650B}"/>
-              </a:ext>
-            </a:extLst>
-          </p:cNvPr>
-          <p:cNvSpPr txBox="1"/>
-          <p:nvPr/>
-        </p:nvSpPr>
-        <p:spPr>
-          <a:xfrm>
-            <a:off x="10824161" y="5802923"/>
-            <a:ext cx="2409092" cy="400110"/>
-          </a:xfrm>
-          <a:prstGeom prst="rect">
-            <a:avLst/>
-          </a:prstGeom>
-          <a:noFill/>
-        </p:spPr>
-        <p:txBody>
-          <a:bodyPr wrap="square" rtlCol="0">
-            <a:spAutoFit/>
-          </a:bodyPr>
-          <a:lstStyle/>
-          <a:p>
-            <a:pPr algn="ctr"/>
-            <a:r>
-              <a:rPr lang="fr-MA" sz="2000" b="1" dirty="0"/>
-              <a:t>Entreprise</a:t>
-            </a:r>
-            <a:endParaRPr lang="fr-MA" sz="1800" b="1" dirty="0"/>
-          </a:p>
-        </p:txBody>
-      </p:sp>
     </p:spTree>
     <p:extLst>
       <p:ext uri="{BB962C8B-B14F-4D97-AF65-F5344CB8AC3E}">
-        <p14:creationId xmlns:p14="http://schemas.microsoft.com/office/powerpoint/2010/main" val="3413598240"/>
+        <p14:creationId xmlns:p14="http://schemas.microsoft.com/office/powerpoint/2010/main" val="2641530857"/>
       </p:ext>
     </p:extLst>
   </p:cSld>
@@ -8659,7 +8778,7 @@
 
 <file path=ppt/slides/slide9.xml><?xml version="1.0" encoding="utf-8"?>
 <p:sld xmlns:a="http://schemas.openxmlformats.org/drawingml/2006/main" xmlns:r="http://schemas.openxmlformats.org/officeDocument/2006/relationships" xmlns:p="http://schemas.openxmlformats.org/presentationml/2006/main">
-  <p:cSld name="Slide 6">
+  <p:cSld>
     <p:spTree>
       <p:nvGrpSpPr>
         <p:cNvPr id="1" name=""/>
@@ -8679,7 +8798,7 @@
           <p:cNvPr id="2" name="Espace réservé du numéro de diapositive 1">
             <a:extLst>
               <a:ext uri="{FF2B5EF4-FFF2-40B4-BE49-F238E27FC236}">
-                <a16:creationId xmlns:a16="http://schemas.microsoft.com/office/drawing/2014/main" id="{694F699B-D147-3085-EF97-4106745550C3}"/>
+                <a16:creationId xmlns:a16="http://schemas.microsoft.com/office/drawing/2014/main" id="{AE8E941D-50B6-A6CD-5718-B3781A6BEB70}"/>
               </a:ext>
             </a:extLst>
           </p:cNvPr>
@@ -8709,10 +8828,10 @@
       </p:sp>
       <p:sp>
         <p:nvSpPr>
-          <p:cNvPr id="3" name="ZoneTexte 2">
-            <a:extLst>
-              <a:ext uri="{FF2B5EF4-FFF2-40B4-BE49-F238E27FC236}">
-                <a16:creationId xmlns:a16="http://schemas.microsoft.com/office/drawing/2014/main" id="{8E3D8607-D475-4528-05E3-72490D89D549}"/>
+          <p:cNvPr id="4" name="ZoneTexte 3">
+            <a:extLst>
+              <a:ext uri="{FF2B5EF4-FFF2-40B4-BE49-F238E27FC236}">
+                <a16:creationId xmlns:a16="http://schemas.microsoft.com/office/drawing/2014/main" id="{F48D7ABA-3B51-B960-4D03-BC4C2655B2C4}"/>
               </a:ext>
             </a:extLst>
           </p:cNvPr>
@@ -8721,8 +8840,8 @@
         </p:nvSpPr>
         <p:spPr>
           <a:xfrm>
-            <a:off x="3569676" y="182012"/>
-            <a:ext cx="7174523" cy="461665"/>
+            <a:off x="3376246" y="623585"/>
+            <a:ext cx="7877908" cy="370614"/>
           </a:xfrm>
           <a:prstGeom prst="rect">
             <a:avLst/>
@@ -8735,28 +8854,42 @@
           </a:bodyPr>
           <a:lstStyle/>
           <a:p>
-            <a:pPr algn="ctr"/>
-            <a:r>
-              <a:rPr lang="fr-FR" sz="2400" b="1" dirty="0">
-                <a:solidFill>
-                  <a:schemeClr val="tx1"/>
-                </a:solidFill>
-                <a:latin typeface="+mj-lt"/>
-                <a:ea typeface="+mj-ea"/>
-                <a:cs typeface="+mj-cs"/>
-                <a:sym typeface="Montserrat"/>
-              </a:rPr>
-              <a:t>Diagramme de cas d’utilisation « Admin »</a:t>
-            </a:r>
+            <a:pPr marL="0" indent="0" algn="l">
+              <a:lnSpc>
+                <a:spcPts val="2278"/>
+              </a:lnSpc>
+              <a:buNone/>
+            </a:pPr>
+            <a:r>
+              <a:rPr lang="fr-FR" b="1" dirty="0">
+                <a:latin typeface="Montserrat" panose="00000500000000000000" pitchFamily="2" charset="0"/>
+              </a:rPr>
+              <a:t>B</a:t>
+            </a:r>
+            <a:r>
+              <a:rPr lang="fr-FR" sz="1800" b="1" dirty="0">
+                <a:latin typeface="Montserrat" panose="00000500000000000000" pitchFamily="2" charset="0"/>
+              </a:rPr>
+              <a:t>. Diagramme de cas </a:t>
+            </a:r>
+            <a:r>
+              <a:rPr lang="fr-FR" b="1" dirty="0">
+                <a:latin typeface="Montserrat" panose="00000500000000000000" pitchFamily="2" charset="0"/>
+              </a:rPr>
+              <a:t>d'utilisation</a:t>
+            </a:r>
+            <a:endParaRPr lang="en-US" b="1" dirty="0">
+              <a:latin typeface="Montserrat" panose="00000500000000000000" pitchFamily="2" charset="0"/>
+            </a:endParaRPr>
           </a:p>
         </p:txBody>
       </p:sp>
       <p:pic>
         <p:nvPicPr>
-          <p:cNvPr id="4" name="Picture 3">
-            <a:extLst>
-              <a:ext uri="{FF2B5EF4-FFF2-40B4-BE49-F238E27FC236}">
-                <a16:creationId xmlns:a16="http://schemas.microsoft.com/office/drawing/2014/main" id="{88BED210-C5E0-7A96-C8DA-23D7EE60A725}"/>
+          <p:cNvPr id="7" name="Content Placeholder 5" descr="Man with solid fill">
+            <a:extLst>
+              <a:ext uri="{FF2B5EF4-FFF2-40B4-BE49-F238E27FC236}">
+                <a16:creationId xmlns:a16="http://schemas.microsoft.com/office/drawing/2014/main" id="{99FD82CD-E940-FE3B-BCED-2FD62C5AB6F5}"/>
               </a:ext>
             </a:extLst>
           </p:cNvPr>
@@ -8766,22 +8899,216 @@
           <p:nvPr/>
         </p:nvPicPr>
         <p:blipFill>
-          <a:blip r:embed="rId3"/>
+          <a:blip r:embed="rId2">
+            <a:extLst>
+              <a:ext uri="{96DAC541-7B7A-43D3-8B79-37D633B846F1}">
+                <asvg:svgBlip xmlns:asvg="http://schemas.microsoft.com/office/drawing/2016/SVG/main" r:embed="rId3"/>
+              </a:ext>
+            </a:extLst>
+          </a:blip>
           <a:stretch>
             <a:fillRect/>
           </a:stretch>
         </p:blipFill>
         <p:spPr>
           <a:xfrm>
-            <a:off x="3727938" y="858391"/>
-            <a:ext cx="7174523" cy="7219703"/>
+            <a:off x="891662" y="1869047"/>
+            <a:ext cx="3420063" cy="3520515"/>
           </a:xfrm>
           <a:prstGeom prst="rect">
             <a:avLst/>
           </a:prstGeom>
         </p:spPr>
       </p:pic>
+      <p:pic>
+        <p:nvPicPr>
+          <p:cNvPr id="8" name="Content Placeholder 5" descr="Man with solid fill">
+            <a:extLst>
+              <a:ext uri="{FF2B5EF4-FFF2-40B4-BE49-F238E27FC236}">
+                <a16:creationId xmlns:a16="http://schemas.microsoft.com/office/drawing/2014/main" id="{FD879F64-85D3-C55D-2F10-1AB075BB0A79}"/>
+              </a:ext>
+            </a:extLst>
+          </p:cNvPr>
+          <p:cNvPicPr>
+            <a:picLocks noChangeAspect="1"/>
+          </p:cNvPicPr>
+          <p:nvPr/>
+        </p:nvPicPr>
+        <p:blipFill>
+          <a:blip r:embed="rId2">
+            <a:extLst>
+              <a:ext uri="{96DAC541-7B7A-43D3-8B79-37D633B846F1}">
+                <asvg:svgBlip xmlns:asvg="http://schemas.microsoft.com/office/drawing/2016/SVG/main" r:embed="rId3"/>
+              </a:ext>
+            </a:extLst>
+          </a:blip>
+          <a:stretch>
+            <a:fillRect/>
+          </a:stretch>
+        </p:blipFill>
+        <p:spPr>
+          <a:xfrm>
+            <a:off x="5554942" y="1869047"/>
+            <a:ext cx="3520515" cy="3520515"/>
+          </a:xfrm>
+          <a:prstGeom prst="rect">
+            <a:avLst/>
+          </a:prstGeom>
+        </p:spPr>
+      </p:pic>
+      <p:pic>
+        <p:nvPicPr>
+          <p:cNvPr id="9" name="Content Placeholder 5" descr="Man with solid fill">
+            <a:extLst>
+              <a:ext uri="{FF2B5EF4-FFF2-40B4-BE49-F238E27FC236}">
+                <a16:creationId xmlns:a16="http://schemas.microsoft.com/office/drawing/2014/main" id="{B21CDEE4-A8AD-EDFA-B6F9-FC570081C875}"/>
+              </a:ext>
+            </a:extLst>
+          </p:cNvPr>
+          <p:cNvPicPr>
+            <a:picLocks noChangeAspect="1"/>
+          </p:cNvPicPr>
+          <p:nvPr/>
+        </p:nvPicPr>
+        <p:blipFill>
+          <a:blip r:embed="rId2">
+            <a:extLst>
+              <a:ext uri="{96DAC541-7B7A-43D3-8B79-37D633B846F1}">
+                <asvg:svgBlip xmlns:asvg="http://schemas.microsoft.com/office/drawing/2016/SVG/main" r:embed="rId3"/>
+              </a:ext>
+            </a:extLst>
+          </a:blip>
+          <a:stretch>
+            <a:fillRect/>
+          </a:stretch>
+        </p:blipFill>
+        <p:spPr>
+          <a:xfrm>
+            <a:off x="10218223" y="1869046"/>
+            <a:ext cx="3520515" cy="3520515"/>
+          </a:xfrm>
+          <a:prstGeom prst="rect">
+            <a:avLst/>
+          </a:prstGeom>
+        </p:spPr>
+      </p:pic>
+      <p:sp>
+        <p:nvSpPr>
+          <p:cNvPr id="10" name="ZoneTexte 9">
+            <a:extLst>
+              <a:ext uri="{FF2B5EF4-FFF2-40B4-BE49-F238E27FC236}">
+                <a16:creationId xmlns:a16="http://schemas.microsoft.com/office/drawing/2014/main" id="{35DF655B-A2B2-4DBA-B24B-6645755F66D4}"/>
+              </a:ext>
+            </a:extLst>
+          </p:cNvPr>
+          <p:cNvSpPr txBox="1"/>
+          <p:nvPr/>
+        </p:nvSpPr>
+        <p:spPr>
+          <a:xfrm>
+            <a:off x="1344809" y="5802923"/>
+            <a:ext cx="2409092" cy="400110"/>
+          </a:xfrm>
+          <a:prstGeom prst="rect">
+            <a:avLst/>
+          </a:prstGeom>
+          <a:noFill/>
+        </p:spPr>
+        <p:txBody>
+          <a:bodyPr wrap="square" rtlCol="0">
+            <a:spAutoFit/>
+          </a:bodyPr>
+          <a:lstStyle/>
+          <a:p>
+            <a:pPr algn="ctr"/>
+            <a:r>
+              <a:rPr lang="fr-FR" sz="2000" b="1" dirty="0"/>
+              <a:t>Administrateur</a:t>
+            </a:r>
+            <a:endParaRPr lang="en-GB" b="1" dirty="0"/>
+          </a:p>
+        </p:txBody>
+      </p:sp>
+      <p:sp>
+        <p:nvSpPr>
+          <p:cNvPr id="11" name="ZoneTexte 10">
+            <a:extLst>
+              <a:ext uri="{FF2B5EF4-FFF2-40B4-BE49-F238E27FC236}">
+                <a16:creationId xmlns:a16="http://schemas.microsoft.com/office/drawing/2014/main" id="{B8E6863B-D760-376E-DF10-A36207404507}"/>
+              </a:ext>
+            </a:extLst>
+          </p:cNvPr>
+          <p:cNvSpPr txBox="1"/>
+          <p:nvPr/>
+        </p:nvSpPr>
+        <p:spPr>
+          <a:xfrm>
+            <a:off x="6110654" y="5802923"/>
+            <a:ext cx="2409092" cy="400110"/>
+          </a:xfrm>
+          <a:prstGeom prst="rect">
+            <a:avLst/>
+          </a:prstGeom>
+          <a:noFill/>
+        </p:spPr>
+        <p:txBody>
+          <a:bodyPr wrap="square" rtlCol="0">
+            <a:spAutoFit/>
+          </a:bodyPr>
+          <a:lstStyle/>
+          <a:p>
+            <a:pPr algn="ctr"/>
+            <a:r>
+              <a:rPr lang="fr-FR" sz="2000" b="1" dirty="0"/>
+              <a:t>Candidat</a:t>
+            </a:r>
+            <a:endParaRPr lang="en-GB" b="1" dirty="0"/>
+          </a:p>
+        </p:txBody>
+      </p:sp>
+      <p:sp>
+        <p:nvSpPr>
+          <p:cNvPr id="12" name="ZoneTexte 11">
+            <a:extLst>
+              <a:ext uri="{FF2B5EF4-FFF2-40B4-BE49-F238E27FC236}">
+                <a16:creationId xmlns:a16="http://schemas.microsoft.com/office/drawing/2014/main" id="{55149E69-7316-0EB4-293F-ADB96EE2650B}"/>
+              </a:ext>
+            </a:extLst>
+          </p:cNvPr>
+          <p:cNvSpPr txBox="1"/>
+          <p:nvPr/>
+        </p:nvSpPr>
+        <p:spPr>
+          <a:xfrm>
+            <a:off x="10824161" y="5802923"/>
+            <a:ext cx="2409092" cy="400110"/>
+          </a:xfrm>
+          <a:prstGeom prst="rect">
+            <a:avLst/>
+          </a:prstGeom>
+          <a:noFill/>
+        </p:spPr>
+        <p:txBody>
+          <a:bodyPr wrap="square" rtlCol="0">
+            <a:spAutoFit/>
+          </a:bodyPr>
+          <a:lstStyle/>
+          <a:p>
+            <a:pPr algn="ctr"/>
+            <a:r>
+              <a:rPr lang="fr-MA" sz="2000" b="1" dirty="0"/>
+              <a:t>Entreprise</a:t>
+            </a:r>
+            <a:endParaRPr lang="fr-MA" sz="1800" b="1" dirty="0"/>
+          </a:p>
+        </p:txBody>
+      </p:sp>
     </p:spTree>
+    <p:extLst>
+      <p:ext uri="{BB962C8B-B14F-4D97-AF65-F5344CB8AC3E}">
+        <p14:creationId xmlns:p14="http://schemas.microsoft.com/office/powerpoint/2010/main" val="3413598240"/>
+      </p:ext>
+    </p:extLst>
   </p:cSld>
   <p:clrMapOvr>
     <a:masterClrMapping/>

--- a/Rapport PFE/Presentation_final.pptx
+++ b/Rapport PFE/Presentation_final.pptx
@@ -3044,10 +3044,10 @@
       </p:sp>
       <p:pic>
         <p:nvPicPr>
-          <p:cNvPr id="5" name="Picture 2">
-            <a:extLst>
-              <a:ext uri="{FF2B5EF4-FFF2-40B4-BE49-F238E27FC236}">
-                <a16:creationId xmlns:a16="http://schemas.microsoft.com/office/drawing/2014/main" id="{EC85EF77-F061-12B6-2FA2-6FBCC9726CDA}"/>
+          <p:cNvPr id="3" name="Picture 6">
+            <a:extLst>
+              <a:ext uri="{FF2B5EF4-FFF2-40B4-BE49-F238E27FC236}">
+                <a16:creationId xmlns:a16="http://schemas.microsoft.com/office/drawing/2014/main" id="{596FE9D2-DB4B-2E21-26C2-E738FA8A5772}"/>
               </a:ext>
             </a:extLst>
           </p:cNvPr>
@@ -3070,8 +3070,8 @@
         </p:blipFill>
         <p:spPr>
           <a:xfrm>
-            <a:off x="2119944" y="782707"/>
-            <a:ext cx="10390512" cy="7283381"/>
+            <a:off x="990380" y="1171662"/>
+            <a:ext cx="12649640" cy="5886275"/>
           </a:xfrm>
           <a:prstGeom prst="rect">
             <a:avLst/>
@@ -6283,7 +6283,7 @@
         <p:spPr>
           <a:xfrm>
             <a:off x="1769807" y="914418"/>
-            <a:ext cx="3762568" cy="707886"/>
+            <a:ext cx="4859022" cy="707886"/>
           </a:xfrm>
           <a:prstGeom prst="rect">
             <a:avLst/>
@@ -6300,7 +6300,7 @@
               <a:rPr lang="fr-FR" sz="4000" b="1" dirty="0">
                 <a:latin typeface="Montserrat" panose="00000500000000000000" pitchFamily="2" charset="0"/>
               </a:rPr>
-              <a:t>7. Réalisation</a:t>
+              <a:t>7. Démonstration</a:t>
             </a:r>
           </a:p>
         </p:txBody>

--- a/Rapport PFE/Presentation_final.pptx
+++ b/Rapport PFE/Presentation_final.pptx
@@ -4361,7 +4361,7 @@
         <p:spPr>
           <a:xfrm>
             <a:off x="5225664" y="6176543"/>
-            <a:ext cx="1526380" cy="369332"/>
+            <a:ext cx="2020105" cy="369332"/>
           </a:xfrm>
           <a:prstGeom prst="rect">
             <a:avLst/>
@@ -4375,11 +4375,14 @@
           <a:lstStyle/>
           <a:p>
             <a:r>
-              <a:rPr lang="fr-FR" b="1" dirty="0">
-                <a:latin typeface="Montserrat" panose="00000500000000000000" pitchFamily="2" charset="0"/>
-              </a:rPr>
-              <a:t>Réalisation</a:t>
-            </a:r>
+              <a:rPr lang="fr-FR" sz="1800" b="1" dirty="0">
+                <a:latin typeface="Montserrat" panose="00000500000000000000" pitchFamily="2" charset="0"/>
+              </a:rPr>
+              <a:t>Démonstration</a:t>
+            </a:r>
+            <a:endParaRPr lang="fr-FR" b="1" dirty="0">
+              <a:latin typeface="Montserrat" panose="00000500000000000000" pitchFamily="2" charset="0"/>
+            </a:endParaRPr>
           </a:p>
         </p:txBody>
       </p:sp>

--- a/Rapport PFE/Presentation_final.pptx
+++ b/Rapport PFE/Presentation_final.pptx
@@ -317,7 +317,7 @@
           <a:p>
             <a:fld id="{4283048F-5151-412C-9E2B-6203D82A6B1F}" type="datetimeFigureOut">
               <a:rPr lang="fr-FR" smtClean="0"/>
-              <a:t>19/06/2025</a:t>
+              <a:t>03/07/2025</a:t>
             </a:fld>
             <a:endParaRPr lang="fr-FR"/>
           </a:p>
@@ -1943,7 +1943,7 @@
               <a:rPr lang="fr-FR" dirty="0">
                 <a:latin typeface="Montserrat" panose="00000500000000000000" pitchFamily="2" charset="0"/>
               </a:rPr>
-              <a:t> Pr. S. BOUSHABA(Encadrante)</a:t>
+              <a:t> Pr. A. BOUSHABA(Encadrante)</a:t>
             </a:r>
           </a:p>
         </p:txBody>
